--- a/ATAI_Presentation Hyper.pptx
+++ b/ATAI_Presentation Hyper.pptx
@@ -15,7 +15,9 @@
     <p:sldId id="263" r:id="rId9"/>
     <p:sldId id="269" r:id="rId10"/>
     <p:sldId id="265" r:id="rId11"/>
-    <p:sldId id="271" r:id="rId12"/>
+    <p:sldId id="273" r:id="rId12"/>
+    <p:sldId id="271" r:id="rId13"/>
+    <p:sldId id="272" r:id="rId14"/>
   </p:sldIdLst>
   <p:sldSz cx="12192000" cy="6858000"/>
   <p:notesSz cx="6858000" cy="9144000"/>
@@ -2964,7 +2966,7 @@
           <a:p>
             <a:fld id="{0FB1A7F6-0812-4A46-B0B3-17E31A6CF280}" type="datetimeFigureOut">
               <a:rPr lang="it-IT" smtClean="0"/>
-              <a:t>02/07/2021</a:t>
+              <a:t>03/07/2021</a:t>
             </a:fld>
             <a:endParaRPr lang="it-IT"/>
           </a:p>
@@ -3192,7 +3194,7 @@
           <a:p>
             <a:fld id="{0FB1A7F6-0812-4A46-B0B3-17E31A6CF280}" type="datetimeFigureOut">
               <a:rPr lang="it-IT" smtClean="0"/>
-              <a:t>02/07/2021</a:t>
+              <a:t>03/07/2021</a:t>
             </a:fld>
             <a:endParaRPr lang="it-IT"/>
           </a:p>
@@ -3372,7 +3374,7 @@
           <a:p>
             <a:fld id="{0FB1A7F6-0812-4A46-B0B3-17E31A6CF280}" type="datetimeFigureOut">
               <a:rPr lang="it-IT" smtClean="0"/>
-              <a:t>02/07/2021</a:t>
+              <a:t>03/07/2021</a:t>
             </a:fld>
             <a:endParaRPr lang="it-IT"/>
           </a:p>
@@ -3542,7 +3544,7 @@
           <a:p>
             <a:fld id="{0FB1A7F6-0812-4A46-B0B3-17E31A6CF280}" type="datetimeFigureOut">
               <a:rPr lang="it-IT" smtClean="0"/>
-              <a:t>02/07/2021</a:t>
+              <a:t>03/07/2021</a:t>
             </a:fld>
             <a:endParaRPr lang="it-IT"/>
           </a:p>
@@ -3796,7 +3798,7 @@
           <a:p>
             <a:fld id="{0FB1A7F6-0812-4A46-B0B3-17E31A6CF280}" type="datetimeFigureOut">
               <a:rPr lang="it-IT" smtClean="0"/>
-              <a:t>02/07/2021</a:t>
+              <a:t>03/07/2021</a:t>
             </a:fld>
             <a:endParaRPr lang="it-IT"/>
           </a:p>
@@ -4122,7 +4124,7 @@
           <a:p>
             <a:fld id="{0FB1A7F6-0812-4A46-B0B3-17E31A6CF280}" type="datetimeFigureOut">
               <a:rPr lang="it-IT" smtClean="0"/>
-              <a:t>02/07/2021</a:t>
+              <a:t>03/07/2021</a:t>
             </a:fld>
             <a:endParaRPr lang="it-IT"/>
           </a:p>
@@ -4573,7 +4575,7 @@
           <a:p>
             <a:fld id="{0FB1A7F6-0812-4A46-B0B3-17E31A6CF280}" type="datetimeFigureOut">
               <a:rPr lang="it-IT" smtClean="0"/>
-              <a:t>02/07/2021</a:t>
+              <a:t>03/07/2021</a:t>
             </a:fld>
             <a:endParaRPr lang="it-IT"/>
           </a:p>
@@ -4691,7 +4693,7 @@
           <a:p>
             <a:fld id="{0FB1A7F6-0812-4A46-B0B3-17E31A6CF280}" type="datetimeFigureOut">
               <a:rPr lang="it-IT" smtClean="0"/>
-              <a:t>02/07/2021</a:t>
+              <a:t>03/07/2021</a:t>
             </a:fld>
             <a:endParaRPr lang="it-IT"/>
           </a:p>
@@ -4786,7 +4788,7 @@
           <a:p>
             <a:fld id="{0FB1A7F6-0812-4A46-B0B3-17E31A6CF280}" type="datetimeFigureOut">
               <a:rPr lang="it-IT" smtClean="0"/>
-              <a:t>02/07/2021</a:t>
+              <a:t>03/07/2021</a:t>
             </a:fld>
             <a:endParaRPr lang="it-IT"/>
           </a:p>
@@ -5073,7 +5075,7 @@
           <a:p>
             <a:fld id="{0FB1A7F6-0812-4A46-B0B3-17E31A6CF280}" type="datetimeFigureOut">
               <a:rPr lang="it-IT" smtClean="0"/>
-              <a:t>02/07/2021</a:t>
+              <a:t>03/07/2021</a:t>
             </a:fld>
             <a:endParaRPr lang="it-IT"/>
           </a:p>
@@ -5395,7 +5397,7 @@
           <a:p>
             <a:fld id="{0FB1A7F6-0812-4A46-B0B3-17E31A6CF280}" type="datetimeFigureOut">
               <a:rPr lang="it-IT" smtClean="0"/>
-              <a:t>02/07/2021</a:t>
+              <a:t>03/07/2021</a:t>
             </a:fld>
             <a:endParaRPr lang="it-IT"/>
           </a:p>
@@ -5649,7 +5651,7 @@
           <a:p>
             <a:fld id="{0FB1A7F6-0812-4A46-B0B3-17E31A6CF280}" type="datetimeFigureOut">
               <a:rPr lang="it-IT" smtClean="0"/>
-              <a:t>02/07/2021</a:t>
+              <a:t>03/07/2021</a:t>
             </a:fld>
             <a:endParaRPr lang="it-IT"/>
           </a:p>
@@ -7077,9 +7079,20 @@
           <a:p>
             <a:r>
               <a:rPr lang="it-IT" dirty="0" err="1"/>
-              <a:t>Findings</a:t>
-            </a:r>
-            <a:endParaRPr lang="it-IT" dirty="0"/>
+              <a:t>Combined</a:t>
+            </a:r>
+            <a:r>
+              <a:rPr lang="it-IT" dirty="0"/>
+              <a:t> Learning: </a:t>
+            </a:r>
+            <a:r>
+              <a:rPr lang="it-IT" dirty="0" err="1"/>
+              <a:t>walk</a:t>
+            </a:r>
+            <a:r>
+              <a:rPr lang="it-IT" dirty="0"/>
+              <a:t> &amp; travel</a:t>
+            </a:r>
           </a:p>
         </p:txBody>
       </p:sp>
@@ -7141,6 +7154,633 @@
           <a:lstStyle/>
           <a:p>
             <a:r>
+              <a:rPr lang="it-IT" sz="1400" b="1" dirty="0"/>
+              <a:t>Goal: </a:t>
+            </a:r>
+            <a:r>
+              <a:rPr lang="it-IT" sz="1500" dirty="0" err="1">
+                <a:solidFill>
+                  <a:schemeClr val="tx1">
+                    <a:lumMod val="85000"/>
+                    <a:lumOff val="15000"/>
+                  </a:schemeClr>
+                </a:solidFill>
+                <a:cs typeface="Courier New" panose="02070309020205020404" pitchFamily="49" charset="0"/>
+              </a:rPr>
+              <a:t>Learn</a:t>
+            </a:r>
+            <a:r>
+              <a:rPr lang="it-IT" sz="1500" dirty="0">
+                <a:solidFill>
+                  <a:schemeClr val="tx1">
+                    <a:lumMod val="85000"/>
+                    <a:lumOff val="15000"/>
+                  </a:schemeClr>
+                </a:solidFill>
+                <a:cs typeface="Courier New" panose="02070309020205020404" pitchFamily="49" charset="0"/>
+              </a:rPr>
+              <a:t> the </a:t>
+            </a:r>
+            <a:r>
+              <a:rPr lang="it-IT" sz="1500" dirty="0" err="1">
+                <a:solidFill>
+                  <a:schemeClr val="tx1">
+                    <a:lumMod val="85000"/>
+                    <a:lumOff val="15000"/>
+                  </a:schemeClr>
+                </a:solidFill>
+                <a:cs typeface="Courier New" panose="02070309020205020404" pitchFamily="49" charset="0"/>
+              </a:rPr>
+              <a:t>two</a:t>
+            </a:r>
+            <a:r>
+              <a:rPr lang="it-IT" sz="1500" dirty="0">
+                <a:solidFill>
+                  <a:schemeClr val="tx1">
+                    <a:lumMod val="85000"/>
+                    <a:lumOff val="15000"/>
+                  </a:schemeClr>
+                </a:solidFill>
+                <a:cs typeface="Courier New" panose="02070309020205020404" pitchFamily="49" charset="0"/>
+              </a:rPr>
+              <a:t> </a:t>
+            </a:r>
+            <a:r>
+              <a:rPr lang="it-IT" sz="1500" dirty="0" err="1">
+                <a:solidFill>
+                  <a:schemeClr val="tx1">
+                    <a:lumMod val="85000"/>
+                    <a:lumOff val="15000"/>
+                  </a:schemeClr>
+                </a:solidFill>
+                <a:cs typeface="Courier New" panose="02070309020205020404" pitchFamily="49" charset="0"/>
+              </a:rPr>
+              <a:t>predicates</a:t>
+            </a:r>
+            <a:r>
+              <a:rPr lang="it-IT" sz="1500" dirty="0">
+                <a:solidFill>
+                  <a:schemeClr val="tx1">
+                    <a:lumMod val="85000"/>
+                    <a:lumOff val="15000"/>
+                  </a:schemeClr>
+                </a:solidFill>
+                <a:cs typeface="Courier New" panose="02070309020205020404" pitchFamily="49" charset="0"/>
+              </a:rPr>
+              <a:t> </a:t>
+            </a:r>
+            <a:r>
+              <a:rPr lang="it-IT" sz="1500" dirty="0" err="1">
+                <a:solidFill>
+                  <a:schemeClr val="tx1">
+                    <a:lumMod val="85000"/>
+                    <a:lumOff val="15000"/>
+                  </a:schemeClr>
+                </a:solidFill>
+                <a:cs typeface="Courier New" panose="02070309020205020404" pitchFamily="49" charset="0"/>
+              </a:rPr>
+              <a:t>move</a:t>
+            </a:r>
+            <a:r>
+              <a:rPr lang="it-IT" sz="1500" dirty="0">
+                <a:solidFill>
+                  <a:schemeClr val="tx1">
+                    <a:lumMod val="85000"/>
+                    <a:lumOff val="15000"/>
+                  </a:schemeClr>
+                </a:solidFill>
+                <a:cs typeface="Courier New" panose="02070309020205020404" pitchFamily="49" charset="0"/>
+              </a:rPr>
+              <a:t>/2 and </a:t>
+            </a:r>
+            <a:r>
+              <a:rPr lang="it-IT" sz="1500" dirty="0" err="1">
+                <a:solidFill>
+                  <a:schemeClr val="tx1">
+                    <a:lumMod val="85000"/>
+                    <a:lumOff val="15000"/>
+                  </a:schemeClr>
+                </a:solidFill>
+                <a:cs typeface="Courier New" panose="02070309020205020404" pitchFamily="49" charset="0"/>
+              </a:rPr>
+              <a:t>reach</a:t>
+            </a:r>
+            <a:r>
+              <a:rPr lang="it-IT" sz="1500" dirty="0">
+                <a:solidFill>
+                  <a:schemeClr val="tx1">
+                    <a:lumMod val="85000"/>
+                    <a:lumOff val="15000"/>
+                  </a:schemeClr>
+                </a:solidFill>
+                <a:cs typeface="Courier New" panose="02070309020205020404" pitchFamily="49" charset="0"/>
+              </a:rPr>
+              <a:t>/3 </a:t>
+            </a:r>
+            <a:r>
+              <a:rPr lang="it-IT" sz="1500" dirty="0" err="1">
+                <a:solidFill>
+                  <a:schemeClr val="tx1">
+                    <a:lumMod val="85000"/>
+                    <a:lumOff val="15000"/>
+                  </a:schemeClr>
+                </a:solidFill>
+                <a:cs typeface="Courier New" panose="02070309020205020404" pitchFamily="49" charset="0"/>
+              </a:rPr>
+              <a:t>at</a:t>
+            </a:r>
+            <a:r>
+              <a:rPr lang="it-IT" sz="1500" dirty="0">
+                <a:solidFill>
+                  <a:schemeClr val="tx1">
+                    <a:lumMod val="85000"/>
+                    <a:lumOff val="15000"/>
+                  </a:schemeClr>
+                </a:solidFill>
+                <a:cs typeface="Courier New" panose="02070309020205020404" pitchFamily="49" charset="0"/>
+              </a:rPr>
+              <a:t> once.</a:t>
+            </a:r>
+          </a:p>
+          <a:p>
+            <a:r>
+              <a:rPr lang="it-IT" sz="1400" b="1" dirty="0"/>
+              <a:t>Background Knowledge:</a:t>
+            </a:r>
+          </a:p>
+          <a:p>
+            <a:pPr lvl="1">
+              <a:lnSpc>
+                <a:spcPct val="100000"/>
+              </a:lnSpc>
+            </a:pPr>
+            <a:r>
+              <a:rPr lang="it-IT" sz="1500" dirty="0" err="1">
+                <a:cs typeface="Courier New" panose="02070309020205020404" pitchFamily="49" charset="0"/>
+              </a:rPr>
+              <a:t>Same</a:t>
+            </a:r>
+            <a:r>
+              <a:rPr lang="it-IT" sz="1500" dirty="0">
+                <a:cs typeface="Courier New" panose="02070309020205020404" pitchFamily="49" charset="0"/>
+              </a:rPr>
+              <a:t> </a:t>
+            </a:r>
+            <a:r>
+              <a:rPr lang="it-IT" sz="1500" dirty="0" err="1">
+                <a:cs typeface="Courier New" panose="02070309020205020404" pitchFamily="49" charset="0"/>
+              </a:rPr>
+              <a:t>as</a:t>
+            </a:r>
+            <a:r>
+              <a:rPr lang="it-IT" sz="1500" dirty="0">
+                <a:cs typeface="Courier New" panose="02070309020205020404" pitchFamily="49" charset="0"/>
+              </a:rPr>
+              <a:t> </a:t>
+            </a:r>
+            <a:r>
+              <a:rPr lang="it-IT" sz="1500" dirty="0" err="1">
+                <a:cs typeface="Courier New" panose="02070309020205020404" pitchFamily="49" charset="0"/>
+              </a:rPr>
+              <a:t>before</a:t>
+            </a:r>
+            <a:r>
+              <a:rPr lang="it-IT" sz="1500" dirty="0">
+                <a:cs typeface="Courier New" panose="02070309020205020404" pitchFamily="49" charset="0"/>
+              </a:rPr>
+              <a:t> for </a:t>
+            </a:r>
+            <a:r>
+              <a:rPr lang="it-IT" sz="1500" dirty="0" err="1">
+                <a:cs typeface="Courier New" panose="02070309020205020404" pitchFamily="49" charset="0"/>
+              </a:rPr>
+              <a:t>both</a:t>
+            </a:r>
+            <a:r>
+              <a:rPr lang="it-IT" sz="1500" dirty="0">
+                <a:cs typeface="Courier New" panose="02070309020205020404" pitchFamily="49" charset="0"/>
+              </a:rPr>
+              <a:t> tasks</a:t>
+            </a:r>
+          </a:p>
+          <a:p>
+            <a:r>
+              <a:rPr lang="it-IT" sz="1400" b="1" dirty="0" err="1">
+                <a:cs typeface="Courier New" panose="02070309020205020404" pitchFamily="49" charset="0"/>
+              </a:rPr>
+              <a:t>Structured</a:t>
+            </a:r>
+            <a:r>
+              <a:rPr lang="it-IT" sz="1400" b="1" dirty="0">
+                <a:cs typeface="Courier New" panose="02070309020205020404" pitchFamily="49" charset="0"/>
+              </a:rPr>
+              <a:t> </a:t>
+            </a:r>
+            <a:r>
+              <a:rPr lang="it-IT" sz="1400" b="1" dirty="0" err="1">
+                <a:cs typeface="Courier New" panose="02070309020205020404" pitchFamily="49" charset="0"/>
+              </a:rPr>
+              <a:t>terms</a:t>
+            </a:r>
+            <a:r>
+              <a:rPr lang="it-IT" sz="1400" b="1" dirty="0">
+                <a:cs typeface="Courier New" panose="02070309020205020404" pitchFamily="49" charset="0"/>
+              </a:rPr>
+              <a:t>:</a:t>
+            </a:r>
+          </a:p>
+          <a:p>
+            <a:pPr lvl="1"/>
+            <a:r>
+              <a:rPr lang="en-US" sz="1500" dirty="0">
+                <a:cs typeface="Courier New" panose="02070309020205020404" pitchFamily="49" charset="0"/>
+              </a:rPr>
+              <a:t>Same as before for both tasks</a:t>
+            </a:r>
+          </a:p>
+          <a:p>
+            <a:r>
+              <a:rPr lang="it-IT" sz="1500" b="1" dirty="0">
+                <a:solidFill>
+                  <a:schemeClr val="tx1">
+                    <a:lumMod val="85000"/>
+                    <a:lumOff val="15000"/>
+                  </a:schemeClr>
+                </a:solidFill>
+                <a:cs typeface="Courier New" panose="02070309020205020404" pitchFamily="49" charset="0"/>
+              </a:rPr>
+              <a:t>Start </a:t>
+            </a:r>
+            <a:r>
+              <a:rPr lang="it-IT" sz="1500" b="1" dirty="0" err="1">
+                <a:solidFill>
+                  <a:schemeClr val="tx1">
+                    <a:lumMod val="85000"/>
+                    <a:lumOff val="15000"/>
+                  </a:schemeClr>
+                </a:solidFill>
+                <a:cs typeface="Courier New" panose="02070309020205020404" pitchFamily="49" charset="0"/>
+              </a:rPr>
+              <a:t>hypothesis</a:t>
+            </a:r>
+            <a:r>
+              <a:rPr lang="it-IT" sz="1500" dirty="0">
+                <a:solidFill>
+                  <a:schemeClr val="tx1">
+                    <a:lumMod val="85000"/>
+                    <a:lumOff val="15000"/>
+                  </a:schemeClr>
+                </a:solidFill>
+                <a:cs typeface="Courier New" panose="02070309020205020404" pitchFamily="49" charset="0"/>
+              </a:rPr>
+              <a:t>: </a:t>
+            </a:r>
+            <a:r>
+              <a:rPr lang="en-US" sz="1500" dirty="0">
+                <a:cs typeface="Courier New" panose="02070309020205020404" pitchFamily="49" charset="0"/>
+              </a:rPr>
+              <a:t>Same as before for both tasks</a:t>
+            </a:r>
+            <a:endParaRPr lang="it-IT" sz="1500" dirty="0">
+              <a:solidFill>
+                <a:schemeClr val="tx1">
+                  <a:lumMod val="85000"/>
+                  <a:lumOff val="15000"/>
+                </a:schemeClr>
+              </a:solidFill>
+              <a:cs typeface="Courier New" panose="02070309020205020404" pitchFamily="49" charset="0"/>
+            </a:endParaRPr>
+          </a:p>
+          <a:p>
+            <a:pPr lvl="1"/>
+            <a:r>
+              <a:rPr lang="en-US" sz="1300" dirty="0" err="1">
+                <a:solidFill>
+                  <a:schemeClr val="tx1">
+                    <a:lumMod val="85000"/>
+                    <a:lumOff val="15000"/>
+                  </a:schemeClr>
+                </a:solidFill>
+                <a:cs typeface="Courier New" panose="02070309020205020404" pitchFamily="49" charset="0"/>
+              </a:rPr>
+              <a:t>start_clause</a:t>
+            </a:r>
+            <a:r>
+              <a:rPr lang="en-US" sz="1300" dirty="0">
+                <a:solidFill>
+                  <a:schemeClr val="tx1">
+                    <a:lumMod val="85000"/>
+                    <a:lumOff val="15000"/>
+                  </a:schemeClr>
+                </a:solidFill>
+                <a:cs typeface="Courier New" panose="02070309020205020404" pitchFamily="49" charset="0"/>
+              </a:rPr>
+              <a:t>( [move(X,Y)] / [ X:cell, Y:cell] ).</a:t>
+            </a:r>
+          </a:p>
+          <a:p>
+            <a:pPr lvl="1"/>
+            <a:r>
+              <a:rPr lang="en-US" sz="1300" dirty="0" err="1">
+                <a:solidFill>
+                  <a:schemeClr val="tx1">
+                    <a:lumMod val="85000"/>
+                    <a:lumOff val="15000"/>
+                  </a:schemeClr>
+                </a:solidFill>
+                <a:cs typeface="Courier New" panose="02070309020205020404" pitchFamily="49" charset="0"/>
+              </a:rPr>
+              <a:t>start_clause</a:t>
+            </a:r>
+            <a:r>
+              <a:rPr lang="en-US" sz="1300" dirty="0">
+                <a:solidFill>
+                  <a:schemeClr val="tx1">
+                    <a:lumMod val="85000"/>
+                    <a:lumOff val="15000"/>
+                  </a:schemeClr>
+                </a:solidFill>
+                <a:cs typeface="Courier New" panose="02070309020205020404" pitchFamily="49" charset="0"/>
+              </a:rPr>
+              <a:t>( [ reach(X,Y,L)] / [X:cell,Y:cell,L:list1] ).</a:t>
+            </a:r>
+            <a:endParaRPr lang="it-IT" sz="1300" dirty="0">
+              <a:solidFill>
+                <a:schemeClr val="tx1">
+                  <a:lumMod val="85000"/>
+                  <a:lumOff val="15000"/>
+                </a:schemeClr>
+              </a:solidFill>
+              <a:cs typeface="Courier New" panose="02070309020205020404" pitchFamily="49" charset="0"/>
+            </a:endParaRPr>
+          </a:p>
+          <a:p>
+            <a:r>
+              <a:rPr lang="it-IT" sz="1400" b="1" dirty="0">
+                <a:cs typeface="Courier New" panose="02070309020205020404" pitchFamily="49" charset="0"/>
+              </a:rPr>
+              <a:t>Positive </a:t>
+            </a:r>
+            <a:r>
+              <a:rPr lang="it-IT" sz="1400" b="1" dirty="0" err="1">
+                <a:cs typeface="Courier New" panose="02070309020205020404" pitchFamily="49" charset="0"/>
+              </a:rPr>
+              <a:t>examples</a:t>
+            </a:r>
+            <a:r>
+              <a:rPr lang="it-IT" sz="1400" b="1" dirty="0">
+                <a:cs typeface="Courier New" panose="02070309020205020404" pitchFamily="49" charset="0"/>
+              </a:rPr>
+              <a:t> / N</a:t>
+            </a:r>
+            <a:r>
+              <a:rPr lang="en-US" sz="1400" b="1" dirty="0" err="1">
+                <a:cs typeface="Courier New" panose="02070309020205020404" pitchFamily="49" charset="0"/>
+              </a:rPr>
+              <a:t>egative</a:t>
+            </a:r>
+            <a:r>
+              <a:rPr lang="en-US" sz="1400" b="1" dirty="0">
+                <a:cs typeface="Courier New" panose="02070309020205020404" pitchFamily="49" charset="0"/>
+              </a:rPr>
+              <a:t> examples: </a:t>
+            </a:r>
+            <a:r>
+              <a:rPr lang="en-US" sz="1400" dirty="0">
+                <a:cs typeface="Courier New" panose="02070309020205020404" pitchFamily="49" charset="0"/>
+              </a:rPr>
+              <a:t>same as before</a:t>
+            </a:r>
+          </a:p>
+          <a:p>
+            <a:r>
+              <a:rPr lang="en-US" sz="1400" b="1" dirty="0">
+                <a:cs typeface="Courier New" panose="02070309020205020404" pitchFamily="49" charset="0"/>
+              </a:rPr>
+              <a:t>Parameters: Changed!</a:t>
+            </a:r>
+          </a:p>
+          <a:p>
+            <a:pPr lvl="1">
+              <a:lnSpc>
+                <a:spcPct val="80000"/>
+              </a:lnSpc>
+            </a:pPr>
+            <a:r>
+              <a:rPr lang="en-US" sz="1500" dirty="0" err="1">
+                <a:cs typeface="Courier New" panose="02070309020205020404" pitchFamily="49" charset="0"/>
+              </a:rPr>
+              <a:t>max_proof_length</a:t>
+            </a:r>
+            <a:r>
+              <a:rPr lang="en-US" sz="1500" dirty="0">
+                <a:cs typeface="Courier New" panose="02070309020205020404" pitchFamily="49" charset="0"/>
+              </a:rPr>
+              <a:t>( 7). </a:t>
+            </a:r>
+          </a:p>
+          <a:p>
+            <a:pPr lvl="1">
+              <a:lnSpc>
+                <a:spcPct val="80000"/>
+              </a:lnSpc>
+            </a:pPr>
+            <a:r>
+              <a:rPr lang="en-US" sz="1500" dirty="0" err="1">
+                <a:cs typeface="Courier New" panose="02070309020205020404" pitchFamily="49" charset="0"/>
+              </a:rPr>
+              <a:t>max_clauses</a:t>
+            </a:r>
+            <a:r>
+              <a:rPr lang="en-US" sz="1500" dirty="0">
+                <a:cs typeface="Courier New" panose="02070309020205020404" pitchFamily="49" charset="0"/>
+              </a:rPr>
+              <a:t>( 4). </a:t>
+            </a:r>
+          </a:p>
+          <a:p>
+            <a:pPr lvl="1">
+              <a:lnSpc>
+                <a:spcPct val="80000"/>
+              </a:lnSpc>
+            </a:pPr>
+            <a:r>
+              <a:rPr lang="en-US" sz="1500" dirty="0" err="1">
+                <a:cs typeface="Courier New" panose="02070309020205020404" pitchFamily="49" charset="0"/>
+              </a:rPr>
+              <a:t>max_clause_length</a:t>
+            </a:r>
+            <a:r>
+              <a:rPr lang="en-US" sz="1500" dirty="0">
+                <a:cs typeface="Courier New" panose="02070309020205020404" pitchFamily="49" charset="0"/>
+              </a:rPr>
+              <a:t>( 3).  </a:t>
+            </a:r>
+            <a:endParaRPr lang="de-AT" sz="1500" dirty="0">
+              <a:cs typeface="Courier New" panose="02070309020205020404" pitchFamily="49" charset="0"/>
+            </a:endParaRPr>
+          </a:p>
+          <a:p>
+            <a:endParaRPr lang="en-US" sz="1400" b="1" dirty="0">
+              <a:cs typeface="Courier New" panose="02070309020205020404" pitchFamily="49" charset="0"/>
+            </a:endParaRPr>
+          </a:p>
+        </p:txBody>
+      </p:sp>
+      <p:pic>
+        <p:nvPicPr>
+          <p:cNvPr id="6" name="Grafik 5">
+            <a:extLst>
+              <a:ext uri="{FF2B5EF4-FFF2-40B4-BE49-F238E27FC236}">
+                <a16:creationId xmlns:a16="http://schemas.microsoft.com/office/drawing/2014/main" id="{B3962E54-C6E4-43B0-92D1-1CA503E15C1F}"/>
+              </a:ext>
+            </a:extLst>
+          </p:cNvPr>
+          <p:cNvPicPr>
+            <a:picLocks noChangeAspect="1"/>
+          </p:cNvPicPr>
+          <p:nvPr/>
+        </p:nvPicPr>
+        <p:blipFill>
+          <a:blip r:embed="rId3"/>
+          <a:stretch>
+            <a:fillRect/>
+          </a:stretch>
+        </p:blipFill>
+        <p:spPr>
+          <a:xfrm>
+            <a:off x="789510" y="3347761"/>
+            <a:ext cx="3314700" cy="2466975"/>
+          </a:xfrm>
+          <a:prstGeom prst="rect">
+            <a:avLst/>
+          </a:prstGeom>
+        </p:spPr>
+      </p:pic>
+    </p:spTree>
+    <p:extLst>
+      <p:ext uri="{BB962C8B-B14F-4D97-AF65-F5344CB8AC3E}">
+        <p14:creationId xmlns:p14="http://schemas.microsoft.com/office/powerpoint/2010/main" val="3988906080"/>
+      </p:ext>
+    </p:extLst>
+  </p:cSld>
+  <p:clrMapOvr>
+    <a:masterClrMapping/>
+  </p:clrMapOvr>
+</p:sld>
+</file>
+
+<file path=ppt/slides/slide12.xml><?xml version="1.0" encoding="utf-8"?>
+<p:sld xmlns:a="http://schemas.openxmlformats.org/drawingml/2006/main" xmlns:r="http://schemas.openxmlformats.org/officeDocument/2006/relationships" xmlns:p="http://schemas.openxmlformats.org/presentationml/2006/main">
+  <p:cSld>
+    <p:spTree>
+      <p:nvGrpSpPr>
+        <p:cNvPr id="1" name=""/>
+        <p:cNvGrpSpPr/>
+        <p:nvPr/>
+      </p:nvGrpSpPr>
+      <p:grpSpPr>
+        <a:xfrm>
+          <a:off x="0" y="0"/>
+          <a:ext cx="0" cy="0"/>
+          <a:chOff x="0" y="0"/>
+          <a:chExt cx="0" cy="0"/>
+        </a:xfrm>
+      </p:grpSpPr>
+      <p:sp>
+        <p:nvSpPr>
+          <p:cNvPr id="2" name="Titolo 1">
+            <a:extLst>
+              <a:ext uri="{FF2B5EF4-FFF2-40B4-BE49-F238E27FC236}">
+                <a16:creationId xmlns:a16="http://schemas.microsoft.com/office/drawing/2014/main" id="{D02D210C-DC25-442C-A0DC-2021B3ABC932}"/>
+              </a:ext>
+            </a:extLst>
+          </p:cNvPr>
+          <p:cNvSpPr>
+            <a:spLocks noGrp="1"/>
+          </p:cNvSpPr>
+          <p:nvPr>
+            <p:ph type="title"/>
+          </p:nvPr>
+        </p:nvSpPr>
+        <p:spPr>
+          <a:xfrm>
+            <a:off x="4654295" y="484632"/>
+            <a:ext cx="6261555" cy="1512201"/>
+          </a:xfrm>
+        </p:spPr>
+        <p:txBody>
+          <a:bodyPr>
+            <a:normAutofit/>
+          </a:bodyPr>
+          <a:lstStyle/>
+          <a:p>
+            <a:r>
+              <a:rPr lang="it-IT" dirty="0" err="1"/>
+              <a:t>Findings</a:t>
+            </a:r>
+            <a:endParaRPr lang="it-IT" dirty="0"/>
+          </a:p>
+        </p:txBody>
+      </p:sp>
+      <p:pic>
+        <p:nvPicPr>
+          <p:cNvPr id="4" name="Picture 4" descr="Maze">
+            <a:extLst>
+              <a:ext uri="{FF2B5EF4-FFF2-40B4-BE49-F238E27FC236}">
+                <a16:creationId xmlns:a16="http://schemas.microsoft.com/office/drawing/2014/main" id="{C8005455-DE52-4166-891D-E22990B7B159}"/>
+              </a:ext>
+            </a:extLst>
+          </p:cNvPr>
+          <p:cNvPicPr>
+            <a:picLocks noChangeAspect="1"/>
+          </p:cNvPicPr>
+          <p:nvPr/>
+        </p:nvPicPr>
+        <p:blipFill rotWithShape="1">
+          <a:blip r:embed="rId2"/>
+          <a:srcRect t="9021"/>
+          <a:stretch/>
+        </p:blipFill>
+        <p:spPr>
+          <a:xfrm>
+            <a:off x="789510" y="884026"/>
+            <a:ext cx="3269567" cy="1985559"/>
+          </a:xfrm>
+          <a:prstGeom prst="rect">
+            <a:avLst/>
+          </a:prstGeom>
+        </p:spPr>
+      </p:pic>
+      <p:sp>
+        <p:nvSpPr>
+          <p:cNvPr id="3" name="Segnaposto contenuto 2">
+            <a:extLst>
+              <a:ext uri="{FF2B5EF4-FFF2-40B4-BE49-F238E27FC236}">
+                <a16:creationId xmlns:a16="http://schemas.microsoft.com/office/drawing/2014/main" id="{C6D47933-B121-49D1-9D84-21CF203209CD}"/>
+              </a:ext>
+            </a:extLst>
+          </p:cNvPr>
+          <p:cNvSpPr>
+            <a:spLocks noGrp="1"/>
+          </p:cNvSpPr>
+          <p:nvPr>
+            <p:ph idx="1"/>
+          </p:nvPr>
+        </p:nvSpPr>
+        <p:spPr>
+          <a:xfrm>
+            <a:off x="4654295" y="2104008"/>
+            <a:ext cx="6261556" cy="4269360"/>
+          </a:xfrm>
+        </p:spPr>
+        <p:txBody>
+          <a:bodyPr>
+            <a:normAutofit/>
+          </a:bodyPr>
+          <a:lstStyle/>
+          <a:p>
+            <a:r>
               <a:rPr lang="de-AT" sz="1600" b="1" dirty="0"/>
               <a:t>Do not </a:t>
             </a:r>
@@ -7273,7 +7913,7 @@
               <a:rPr lang="en-US" sz="1600" b="1" dirty="0">
                 <a:cs typeface="Courier New" panose="02070309020205020404" pitchFamily="49" charset="0"/>
               </a:rPr>
-              <a:t>It is more efficient to learn each action on its own then (only one </a:t>
+              <a:t>It is more efficient to learn each action on its own then all at once (only one </a:t>
             </a:r>
             <a:r>
               <a:rPr lang="en-US" sz="1600" b="1" dirty="0" err="1">
@@ -7285,7 +7925,27 @@
               <a:rPr lang="en-US" sz="1600" b="1" dirty="0">
                 <a:cs typeface="Courier New" panose="02070309020205020404" pitchFamily="49" charset="0"/>
               </a:rPr>
-              <a:t>).</a:t>
+              <a:t>). With more than one start clause and many </a:t>
+            </a:r>
+            <a:r>
+              <a:rPr lang="en-US" sz="1600" b="1" dirty="0" err="1">
+                <a:cs typeface="Courier New" panose="02070309020205020404" pitchFamily="49" charset="0"/>
+              </a:rPr>
+              <a:t>backliterals</a:t>
+            </a:r>
+            <a:r>
+              <a:rPr lang="en-US" sz="1600" b="1" dirty="0">
+                <a:cs typeface="Courier New" panose="02070309020205020404" pitchFamily="49" charset="0"/>
+              </a:rPr>
+              <a:t> the task grows heavily. </a:t>
+            </a:r>
+          </a:p>
+          <a:p>
+            <a:r>
+              <a:rPr lang="en-US" sz="1600" b="1" dirty="0">
+                <a:cs typeface="Courier New" panose="02070309020205020404" pitchFamily="49" charset="0"/>
+              </a:rPr>
+              <a:t>Recursiveness simplifies the learning.</a:t>
             </a:r>
           </a:p>
         </p:txBody>
@@ -7294,6 +7954,481 @@
     <p:extLst>
       <p:ext uri="{BB962C8B-B14F-4D97-AF65-F5344CB8AC3E}">
         <p14:creationId xmlns:p14="http://schemas.microsoft.com/office/powerpoint/2010/main" val="2828345095"/>
+      </p:ext>
+    </p:extLst>
+  </p:cSld>
+  <p:clrMapOvr>
+    <a:masterClrMapping/>
+  </p:clrMapOvr>
+</p:sld>
+</file>
+
+<file path=ppt/slides/slide13.xml><?xml version="1.0" encoding="utf-8"?>
+<p:sld xmlns:a="http://schemas.openxmlformats.org/drawingml/2006/main" xmlns:r="http://schemas.openxmlformats.org/officeDocument/2006/relationships" xmlns:p="http://schemas.openxmlformats.org/presentationml/2006/main">
+  <p:cSld>
+    <p:spTree>
+      <p:nvGrpSpPr>
+        <p:cNvPr id="1" name=""/>
+        <p:cNvGrpSpPr/>
+        <p:nvPr/>
+      </p:nvGrpSpPr>
+      <p:grpSpPr>
+        <a:xfrm>
+          <a:off x="0" y="0"/>
+          <a:ext cx="0" cy="0"/>
+          <a:chOff x="0" y="0"/>
+          <a:chExt cx="0" cy="0"/>
+        </a:xfrm>
+      </p:grpSpPr>
+      <p:sp>
+        <p:nvSpPr>
+          <p:cNvPr id="2" name="Titel 1">
+            <a:extLst>
+              <a:ext uri="{FF2B5EF4-FFF2-40B4-BE49-F238E27FC236}">
+                <a16:creationId xmlns:a16="http://schemas.microsoft.com/office/drawing/2014/main" id="{28AF50B1-66FE-4BD9-A0C2-15D8E1673A81}"/>
+              </a:ext>
+            </a:extLst>
+          </p:cNvPr>
+          <p:cNvSpPr>
+            <a:spLocks noGrp="1"/>
+          </p:cNvSpPr>
+          <p:nvPr>
+            <p:ph type="title"/>
+          </p:nvPr>
+        </p:nvSpPr>
+        <p:spPr/>
+        <p:txBody>
+          <a:bodyPr/>
+          <a:lstStyle/>
+          <a:p>
+            <a:r>
+              <a:rPr lang="de-DE" dirty="0"/>
+              <a:t>Performance </a:t>
+            </a:r>
+            <a:r>
+              <a:rPr lang="de-DE" dirty="0" err="1"/>
+              <a:t>comparison</a:t>
+            </a:r>
+            <a:endParaRPr lang="de-AT" dirty="0"/>
+          </a:p>
+        </p:txBody>
+      </p:sp>
+      <p:graphicFrame>
+        <p:nvGraphicFramePr>
+          <p:cNvPr id="4" name="Tabelle 4">
+            <a:extLst>
+              <a:ext uri="{FF2B5EF4-FFF2-40B4-BE49-F238E27FC236}">
+                <a16:creationId xmlns:a16="http://schemas.microsoft.com/office/drawing/2014/main" id="{6119BF68-2995-48B2-B85D-ADE38DA574F1}"/>
+              </a:ext>
+            </a:extLst>
+          </p:cNvPr>
+          <p:cNvGraphicFramePr>
+            <a:graphicFrameLocks noGrp="1"/>
+          </p:cNvGraphicFramePr>
+          <p:nvPr>
+            <p:ph idx="1"/>
+            <p:extLst>
+              <p:ext uri="{D42A27DB-BD31-4B8C-83A1-F6EECF244321}">
+                <p14:modId xmlns:p14="http://schemas.microsoft.com/office/powerpoint/2010/main" val="3370101454"/>
+              </p:ext>
+            </p:extLst>
+          </p:nvPr>
+        </p:nvGraphicFramePr>
+        <p:xfrm>
+          <a:off x="1262063" y="1828800"/>
+          <a:ext cx="8594724" cy="1854200"/>
+        </p:xfrm>
+        <a:graphic>
+          <a:graphicData uri="http://schemas.openxmlformats.org/drawingml/2006/table">
+            <a:tbl>
+              <a:tblPr firstRow="1" bandRow="1">
+                <a:tableStyleId>{5C22544A-7EE6-4342-B048-85BDC9FD1C3A}</a:tableStyleId>
+              </a:tblPr>
+              <a:tblGrid>
+                <a:gridCol w="2148681">
+                  <a:extLst>
+                    <a:ext uri="{9D8B030D-6E8A-4147-A177-3AD203B41FA5}">
+                      <a16:colId xmlns:a16="http://schemas.microsoft.com/office/drawing/2014/main" val="52754210"/>
+                    </a:ext>
+                  </a:extLst>
+                </a:gridCol>
+                <a:gridCol w="2148681">
+                  <a:extLst>
+                    <a:ext uri="{9D8B030D-6E8A-4147-A177-3AD203B41FA5}">
+                      <a16:colId xmlns:a16="http://schemas.microsoft.com/office/drawing/2014/main" val="2515016788"/>
+                    </a:ext>
+                  </a:extLst>
+                </a:gridCol>
+                <a:gridCol w="2148681">
+                  <a:extLst>
+                    <a:ext uri="{9D8B030D-6E8A-4147-A177-3AD203B41FA5}">
+                      <a16:colId xmlns:a16="http://schemas.microsoft.com/office/drawing/2014/main" val="889444720"/>
+                    </a:ext>
+                  </a:extLst>
+                </a:gridCol>
+                <a:gridCol w="2148681">
+                  <a:extLst>
+                    <a:ext uri="{9D8B030D-6E8A-4147-A177-3AD203B41FA5}">
+                      <a16:colId xmlns:a16="http://schemas.microsoft.com/office/drawing/2014/main" val="44818972"/>
+                    </a:ext>
+                  </a:extLst>
+                </a:gridCol>
+              </a:tblGrid>
+              <a:tr h="370840">
+                <a:tc>
+                  <a:txBody>
+                    <a:bodyPr/>
+                    <a:lstStyle/>
+                    <a:p>
+                      <a:r>
+                        <a:rPr lang="de-DE" dirty="0"/>
+                        <a:t>Task</a:t>
+                      </a:r>
+                      <a:endParaRPr lang="de-AT" dirty="0"/>
+                    </a:p>
+                  </a:txBody>
+                  <a:tcPr/>
+                </a:tc>
+                <a:tc>
+                  <a:txBody>
+                    <a:bodyPr/>
+                    <a:lstStyle/>
+                    <a:p>
+                      <a:r>
+                        <a:rPr lang="de-DE" dirty="0" err="1"/>
+                        <a:t>Hyper</a:t>
+                      </a:r>
+                      <a:endParaRPr lang="de-AT" dirty="0"/>
+                    </a:p>
+                  </a:txBody>
+                  <a:tcPr/>
+                </a:tc>
+                <a:tc>
+                  <a:txBody>
+                    <a:bodyPr/>
+                    <a:lstStyle/>
+                    <a:p>
+                      <a:r>
+                        <a:rPr lang="de-DE" dirty="0" err="1"/>
+                        <a:t>Metagol</a:t>
+                      </a:r>
+                      <a:endParaRPr lang="de-AT" dirty="0"/>
+                    </a:p>
+                  </a:txBody>
+                  <a:tcPr/>
+                </a:tc>
+                <a:tc>
+                  <a:txBody>
+                    <a:bodyPr/>
+                    <a:lstStyle/>
+                    <a:p>
+                      <a:r>
+                        <a:rPr lang="de-DE" dirty="0"/>
+                        <a:t>ILASP</a:t>
+                      </a:r>
+                      <a:endParaRPr lang="de-AT" dirty="0"/>
+                    </a:p>
+                  </a:txBody>
+                  <a:tcPr/>
+                </a:tc>
+                <a:extLst>
+                  <a:ext uri="{0D108BD9-81ED-4DB2-BD59-A6C34878D82A}">
+                    <a16:rowId xmlns:a16="http://schemas.microsoft.com/office/drawing/2014/main" val="1430978810"/>
+                  </a:ext>
+                </a:extLst>
+              </a:tr>
+              <a:tr h="370840">
+                <a:tc>
+                  <a:txBody>
+                    <a:bodyPr/>
+                    <a:lstStyle/>
+                    <a:p>
+                      <a:r>
+                        <a:rPr lang="de-DE" dirty="0" err="1"/>
+                        <a:t>adjacent</a:t>
+                      </a:r>
+                      <a:endParaRPr lang="de-AT" dirty="0"/>
+                    </a:p>
+                  </a:txBody>
+                  <a:tcPr/>
+                </a:tc>
+                <a:tc>
+                  <a:txBody>
+                    <a:bodyPr/>
+                    <a:lstStyle/>
+                    <a:p>
+                      <a:r>
+                        <a:rPr lang="de-DE" dirty="0"/>
+                        <a:t>175,884 s</a:t>
+                      </a:r>
+                      <a:endParaRPr lang="de-AT" dirty="0"/>
+                    </a:p>
+                  </a:txBody>
+                  <a:tcPr/>
+                </a:tc>
+                <a:tc>
+                  <a:txBody>
+                    <a:bodyPr/>
+                    <a:lstStyle/>
+                    <a:p>
+                      <a:endParaRPr lang="de-AT"/>
+                    </a:p>
+                  </a:txBody>
+                  <a:tcPr/>
+                </a:tc>
+                <a:tc>
+                  <a:txBody>
+                    <a:bodyPr/>
+                    <a:lstStyle/>
+                    <a:p>
+                      <a:endParaRPr lang="de-AT"/>
+                    </a:p>
+                  </a:txBody>
+                  <a:tcPr/>
+                </a:tc>
+                <a:extLst>
+                  <a:ext uri="{0D108BD9-81ED-4DB2-BD59-A6C34878D82A}">
+                    <a16:rowId xmlns:a16="http://schemas.microsoft.com/office/drawing/2014/main" val="1515363736"/>
+                  </a:ext>
+                </a:extLst>
+              </a:tr>
+              <a:tr h="370840">
+                <a:tc>
+                  <a:txBody>
+                    <a:bodyPr/>
+                    <a:lstStyle/>
+                    <a:p>
+                      <a:r>
+                        <a:rPr lang="de-DE" dirty="0" err="1"/>
+                        <a:t>move</a:t>
+                      </a:r>
+                      <a:endParaRPr lang="de-AT" dirty="0"/>
+                    </a:p>
+                  </a:txBody>
+                  <a:tcPr/>
+                </a:tc>
+                <a:tc>
+                  <a:txBody>
+                    <a:bodyPr/>
+                    <a:lstStyle/>
+                    <a:p>
+                      <a:r>
+                        <a:rPr lang="de-DE" dirty="0"/>
+                        <a:t>    0,063 s</a:t>
+                      </a:r>
+                      <a:endParaRPr lang="de-AT" dirty="0"/>
+                    </a:p>
+                  </a:txBody>
+                  <a:tcPr/>
+                </a:tc>
+                <a:tc>
+                  <a:txBody>
+                    <a:bodyPr/>
+                    <a:lstStyle/>
+                    <a:p>
+                      <a:endParaRPr lang="de-AT"/>
+                    </a:p>
+                  </a:txBody>
+                  <a:tcPr/>
+                </a:tc>
+                <a:tc>
+                  <a:txBody>
+                    <a:bodyPr/>
+                    <a:lstStyle/>
+                    <a:p>
+                      <a:endParaRPr lang="de-AT"/>
+                    </a:p>
+                  </a:txBody>
+                  <a:tcPr/>
+                </a:tc>
+                <a:extLst>
+                  <a:ext uri="{0D108BD9-81ED-4DB2-BD59-A6C34878D82A}">
+                    <a16:rowId xmlns:a16="http://schemas.microsoft.com/office/drawing/2014/main" val="1835639504"/>
+                  </a:ext>
+                </a:extLst>
+              </a:tr>
+              <a:tr h="370840">
+                <a:tc>
+                  <a:txBody>
+                    <a:bodyPr/>
+                    <a:lstStyle/>
+                    <a:p>
+                      <a:r>
+                        <a:rPr lang="de-DE" dirty="0" err="1"/>
+                        <a:t>reach</a:t>
+                      </a:r>
+                      <a:endParaRPr lang="de-AT" dirty="0"/>
+                    </a:p>
+                  </a:txBody>
+                  <a:tcPr/>
+                </a:tc>
+                <a:tc>
+                  <a:txBody>
+                    <a:bodyPr/>
+                    <a:lstStyle/>
+                    <a:p>
+                      <a:r>
+                        <a:rPr lang="de-DE" dirty="0"/>
+                        <a:t>    1,577 s</a:t>
+                      </a:r>
+                      <a:endParaRPr lang="de-AT" dirty="0"/>
+                    </a:p>
+                  </a:txBody>
+                  <a:tcPr/>
+                </a:tc>
+                <a:tc>
+                  <a:txBody>
+                    <a:bodyPr/>
+                    <a:lstStyle/>
+                    <a:p>
+                      <a:endParaRPr lang="de-AT"/>
+                    </a:p>
+                  </a:txBody>
+                  <a:tcPr/>
+                </a:tc>
+                <a:tc>
+                  <a:txBody>
+                    <a:bodyPr/>
+                    <a:lstStyle/>
+                    <a:p>
+                      <a:endParaRPr lang="de-AT" dirty="0"/>
+                    </a:p>
+                  </a:txBody>
+                  <a:tcPr/>
+                </a:tc>
+                <a:extLst>
+                  <a:ext uri="{0D108BD9-81ED-4DB2-BD59-A6C34878D82A}">
+                    <a16:rowId xmlns:a16="http://schemas.microsoft.com/office/drawing/2014/main" val="2829995181"/>
+                  </a:ext>
+                </a:extLst>
+              </a:tr>
+              <a:tr h="370840">
+                <a:tc>
+                  <a:txBody>
+                    <a:bodyPr/>
+                    <a:lstStyle/>
+                    <a:p>
+                      <a:r>
+                        <a:rPr lang="de-DE" dirty="0" err="1"/>
+                        <a:t>move</a:t>
+                      </a:r>
+                      <a:r>
+                        <a:rPr lang="de-DE" dirty="0"/>
+                        <a:t> &amp; </a:t>
+                      </a:r>
+                      <a:r>
+                        <a:rPr lang="de-DE" dirty="0" err="1"/>
+                        <a:t>reach</a:t>
+                      </a:r>
+                      <a:endParaRPr lang="de-AT" dirty="0"/>
+                    </a:p>
+                  </a:txBody>
+                  <a:tcPr/>
+                </a:tc>
+                <a:tc>
+                  <a:txBody>
+                    <a:bodyPr/>
+                    <a:lstStyle/>
+                    <a:p>
+                      <a:r>
+                        <a:rPr lang="de-DE" dirty="0"/>
+                        <a:t>  16,585 s</a:t>
+                      </a:r>
+                      <a:endParaRPr lang="de-AT" dirty="0"/>
+                    </a:p>
+                  </a:txBody>
+                  <a:tcPr/>
+                </a:tc>
+                <a:tc>
+                  <a:txBody>
+                    <a:bodyPr/>
+                    <a:lstStyle/>
+                    <a:p>
+                      <a:endParaRPr lang="de-AT"/>
+                    </a:p>
+                  </a:txBody>
+                  <a:tcPr/>
+                </a:tc>
+                <a:tc>
+                  <a:txBody>
+                    <a:bodyPr/>
+                    <a:lstStyle/>
+                    <a:p>
+                      <a:endParaRPr lang="de-AT" dirty="0"/>
+                    </a:p>
+                  </a:txBody>
+                  <a:tcPr/>
+                </a:tc>
+                <a:extLst>
+                  <a:ext uri="{0D108BD9-81ED-4DB2-BD59-A6C34878D82A}">
+                    <a16:rowId xmlns:a16="http://schemas.microsoft.com/office/drawing/2014/main" val="3778703835"/>
+                  </a:ext>
+                </a:extLst>
+              </a:tr>
+            </a:tbl>
+          </a:graphicData>
+        </a:graphic>
+      </p:graphicFrame>
+      <p:sp>
+        <p:nvSpPr>
+          <p:cNvPr id="5" name="Textfeld 4">
+            <a:extLst>
+              <a:ext uri="{FF2B5EF4-FFF2-40B4-BE49-F238E27FC236}">
+                <a16:creationId xmlns:a16="http://schemas.microsoft.com/office/drawing/2014/main" id="{96290799-DCD4-42AF-9491-3C6BEBCE70D4}"/>
+              </a:ext>
+            </a:extLst>
+          </p:cNvPr>
+          <p:cNvSpPr txBox="1"/>
+          <p:nvPr/>
+        </p:nvSpPr>
+        <p:spPr>
+          <a:xfrm>
+            <a:off x="1261872" y="3799643"/>
+            <a:ext cx="7207425" cy="369332"/>
+          </a:xfrm>
+          <a:prstGeom prst="rect">
+            <a:avLst/>
+          </a:prstGeom>
+          <a:noFill/>
+        </p:spPr>
+        <p:txBody>
+          <a:bodyPr wrap="square" rtlCol="0">
+            <a:spAutoFit/>
+          </a:bodyPr>
+          <a:lstStyle/>
+          <a:p>
+            <a:r>
+              <a:rPr lang="de-DE" dirty="0"/>
+              <a:t>Mean </a:t>
+            </a:r>
+            <a:r>
+              <a:rPr lang="de-DE" dirty="0" err="1"/>
+              <a:t>values</a:t>
+            </a:r>
+            <a:r>
+              <a:rPr lang="de-DE" dirty="0"/>
+              <a:t> </a:t>
+            </a:r>
+            <a:r>
+              <a:rPr lang="de-DE" dirty="0" err="1"/>
+              <a:t>from</a:t>
+            </a:r>
+            <a:r>
+              <a:rPr lang="de-DE" dirty="0"/>
+              <a:t> 10 </a:t>
+            </a:r>
+            <a:r>
+              <a:rPr lang="de-DE" dirty="0" err="1"/>
+              <a:t>runs</a:t>
+            </a:r>
+            <a:endParaRPr lang="de-AT" dirty="0"/>
+          </a:p>
+        </p:txBody>
+      </p:sp>
+    </p:spTree>
+    <p:extLst>
+      <p:ext uri="{BB962C8B-B14F-4D97-AF65-F5344CB8AC3E}">
+        <p14:creationId xmlns:p14="http://schemas.microsoft.com/office/powerpoint/2010/main" val="3869130354"/>
       </p:ext>
     </p:extLst>
   </p:cSld>
@@ -9750,12 +10885,8 @@
           <a:lstStyle/>
           <a:p>
             <a:r>
-              <a:rPr lang="it-IT" dirty="0" err="1"/>
-              <a:t>Four</a:t>
-            </a:r>
-            <a:r>
               <a:rPr lang="it-IT" dirty="0"/>
-              <a:t> key </a:t>
+              <a:t>Key </a:t>
             </a:r>
             <a:r>
               <a:rPr lang="it-IT" dirty="0" err="1"/>
@@ -11132,6 +12263,162 @@
             <a:endParaRPr lang="it-IT" dirty="0">
               <a:cs typeface="Courier New" panose="02070309020205020404" pitchFamily="49" charset="0"/>
             </a:endParaRPr>
+          </a:p>
+        </p:txBody>
+      </p:sp>
+      <p:sp>
+        <p:nvSpPr>
+          <p:cNvPr id="8" name="Textfeld 7">
+            <a:extLst>
+              <a:ext uri="{FF2B5EF4-FFF2-40B4-BE49-F238E27FC236}">
+                <a16:creationId xmlns:a16="http://schemas.microsoft.com/office/drawing/2014/main" id="{70C859B7-C99B-41DA-B6A9-14DF479A8CF0}"/>
+              </a:ext>
+            </a:extLst>
+          </p:cNvPr>
+          <p:cNvSpPr txBox="1"/>
+          <p:nvPr/>
+        </p:nvSpPr>
+        <p:spPr>
+          <a:xfrm>
+            <a:off x="789510" y="4982546"/>
+            <a:ext cx="2942735" cy="1477328"/>
+          </a:xfrm>
+          <a:prstGeom prst="rect">
+            <a:avLst/>
+          </a:prstGeom>
+          <a:noFill/>
+        </p:spPr>
+        <p:txBody>
+          <a:bodyPr wrap="square" rtlCol="0">
+            <a:spAutoFit/>
+          </a:bodyPr>
+          <a:lstStyle/>
+          <a:p>
+            <a:r>
+              <a:rPr lang="de-DE" dirty="0"/>
+              <a:t>The </a:t>
+            </a:r>
+            <a:r>
+              <a:rPr lang="de-DE" dirty="0" err="1"/>
+              <a:t>number</a:t>
+            </a:r>
+            <a:r>
+              <a:rPr lang="de-DE" dirty="0"/>
+              <a:t> </a:t>
+            </a:r>
+            <a:r>
+              <a:rPr lang="de-DE" dirty="0" err="1"/>
+              <a:t>of</a:t>
+            </a:r>
+            <a:r>
+              <a:rPr lang="de-DE" dirty="0"/>
+              <a:t> </a:t>
+            </a:r>
+            <a:r>
+              <a:rPr lang="de-DE" dirty="0" err="1"/>
+              <a:t>hypotheses</a:t>
+            </a:r>
+            <a:r>
+              <a:rPr lang="de-DE" dirty="0"/>
+              <a:t> </a:t>
+            </a:r>
+            <a:r>
+              <a:rPr lang="de-DE" dirty="0" err="1"/>
+              <a:t>generated</a:t>
+            </a:r>
+            <a:r>
+              <a:rPr lang="de-DE" dirty="0"/>
+              <a:t> and </a:t>
+            </a:r>
+            <a:r>
+              <a:rPr lang="de-DE" dirty="0" err="1"/>
+              <a:t>refined</a:t>
+            </a:r>
+            <a:r>
+              <a:rPr lang="de-DE" dirty="0"/>
+              <a:t> </a:t>
+            </a:r>
+            <a:r>
+              <a:rPr lang="de-DE" dirty="0" err="1"/>
+              <a:t>is</a:t>
+            </a:r>
+            <a:r>
+              <a:rPr lang="de-DE" dirty="0"/>
+              <a:t> </a:t>
+            </a:r>
+            <a:r>
+              <a:rPr lang="de-DE" dirty="0" err="1"/>
+              <a:t>independent</a:t>
+            </a:r>
+            <a:r>
+              <a:rPr lang="de-DE" dirty="0"/>
+              <a:t> </a:t>
+            </a:r>
+            <a:r>
+              <a:rPr lang="de-DE" dirty="0" err="1"/>
+              <a:t>of</a:t>
+            </a:r>
+            <a:r>
+              <a:rPr lang="de-DE" dirty="0"/>
+              <a:t> </a:t>
+            </a:r>
+            <a:r>
+              <a:rPr lang="de-DE" dirty="0" err="1"/>
+              <a:t>the</a:t>
+            </a:r>
+            <a:r>
+              <a:rPr lang="de-DE" dirty="0"/>
+              <a:t> </a:t>
+            </a:r>
+            <a:r>
+              <a:rPr lang="de-DE" dirty="0" err="1"/>
+              <a:t>size</a:t>
+            </a:r>
+            <a:r>
+              <a:rPr lang="de-DE" dirty="0"/>
+              <a:t> </a:t>
+            </a:r>
+            <a:r>
+              <a:rPr lang="de-DE" dirty="0" err="1"/>
+              <a:t>of</a:t>
+            </a:r>
+            <a:r>
+              <a:rPr lang="de-DE" dirty="0"/>
+              <a:t> </a:t>
+            </a:r>
+            <a:r>
+              <a:rPr lang="de-DE" dirty="0" err="1"/>
+              <a:t>the</a:t>
+            </a:r>
+            <a:r>
+              <a:rPr lang="de-DE" dirty="0"/>
+              <a:t> </a:t>
+            </a:r>
+            <a:r>
+              <a:rPr lang="de-DE" dirty="0" err="1"/>
+              <a:t>grid</a:t>
+            </a:r>
+            <a:r>
+              <a:rPr lang="de-DE" dirty="0"/>
+              <a:t> and </a:t>
+            </a:r>
+            <a:r>
+              <a:rPr lang="de-DE" dirty="0" err="1"/>
+              <a:t>the</a:t>
+            </a:r>
+            <a:r>
+              <a:rPr lang="de-DE" dirty="0"/>
+              <a:t> </a:t>
+            </a:r>
+            <a:r>
+              <a:rPr lang="de-DE" dirty="0" err="1"/>
+              <a:t>grid</a:t>
+            </a:r>
+            <a:r>
+              <a:rPr lang="de-DE" dirty="0"/>
+              <a:t>!</a:t>
+            </a:r>
+            <a:endParaRPr lang="de-AT" dirty="0"/>
           </a:p>
         </p:txBody>
       </p:sp>

--- a/ATAI_Presentation Hyper.pptx
+++ b/ATAI_Presentation Hyper.pptx
@@ -122,6 +122,35 @@
     </p:ext>
   </p:extLst>
 </p:presentation>
+</file>
+
+<file path=ppt/changesInfos/changesInfo1.xml><?xml version="1.0" encoding="utf-8"?>
+<pc:chgInfo xmlns:a="http://schemas.openxmlformats.org/drawingml/2006/main" xmlns:r="http://schemas.openxmlformats.org/officeDocument/2006/relationships" xmlns:ac="http://schemas.microsoft.com/office/drawing/2013/main/command" xmlns:pc="http://schemas.microsoft.com/office/powerpoint/2013/main/command">
+  <pc:docChgLst>
+    <pc:chgData name="Al ex" userId="1d73023b5acb93cf" providerId="LiveId" clId="{A69545E9-AE12-4501-89D7-98D9D1617476}"/>
+    <pc:docChg chg="modSld">
+      <pc:chgData name="Al ex" userId="1d73023b5acb93cf" providerId="LiveId" clId="{A69545E9-AE12-4501-89D7-98D9D1617476}" dt="2021-07-03T12:53:21.857" v="30" actId="20577"/>
+      <pc:docMkLst>
+        <pc:docMk/>
+      </pc:docMkLst>
+      <pc:sldChg chg="modSp mod">
+        <pc:chgData name="Al ex" userId="1d73023b5acb93cf" providerId="LiveId" clId="{A69545E9-AE12-4501-89D7-98D9D1617476}" dt="2021-07-03T12:53:21.857" v="30" actId="20577"/>
+        <pc:sldMkLst>
+          <pc:docMk/>
+          <pc:sldMk cId="3869130354" sldId="272"/>
+        </pc:sldMkLst>
+        <pc:graphicFrameChg chg="modGraphic">
+          <ac:chgData name="Al ex" userId="1d73023b5acb93cf" providerId="LiveId" clId="{A69545E9-AE12-4501-89D7-98D9D1617476}" dt="2021-07-03T12:53:21.857" v="30" actId="20577"/>
+          <ac:graphicFrameMkLst>
+            <pc:docMk/>
+            <pc:sldMk cId="3869130354" sldId="272"/>
+            <ac:graphicFrameMk id="4" creationId="{6119BF68-2995-48B2-B85D-ADE38DA574F1}"/>
+          </ac:graphicFrameMkLst>
+        </pc:graphicFrameChg>
+      </pc:sldChg>
+    </pc:docChg>
+  </pc:docChgLst>
+</pc:chgInfo>
 </file>
 
 <file path=ppt/diagrams/colors1.xml><?xml version="1.0" encoding="utf-8"?>
@@ -3028,7 +3057,7 @@
           <a:p>
             <a:fld id="{A45C0713-0BF6-406C-89F3-F72087C9D93E}" type="slidenum">
               <a:rPr lang="it-IT" smtClean="0"/>
-              <a:t>‹Nr.›</a:t>
+              <a:t>‹N›</a:t>
             </a:fld>
             <a:endParaRPr lang="it-IT"/>
           </a:p>
@@ -3236,7 +3265,7 @@
           <a:p>
             <a:fld id="{A45C0713-0BF6-406C-89F3-F72087C9D93E}" type="slidenum">
               <a:rPr lang="it-IT" smtClean="0"/>
-              <a:t>‹Nr.›</a:t>
+              <a:t>‹N›</a:t>
             </a:fld>
             <a:endParaRPr lang="it-IT"/>
           </a:p>
@@ -3416,7 +3445,7 @@
           <a:p>
             <a:fld id="{A45C0713-0BF6-406C-89F3-F72087C9D93E}" type="slidenum">
               <a:rPr lang="it-IT" smtClean="0"/>
-              <a:t>‹Nr.›</a:t>
+              <a:t>‹N›</a:t>
             </a:fld>
             <a:endParaRPr lang="it-IT"/>
           </a:p>
@@ -3586,7 +3615,7 @@
           <a:p>
             <a:fld id="{A45C0713-0BF6-406C-89F3-F72087C9D93E}" type="slidenum">
               <a:rPr lang="it-IT" smtClean="0"/>
-              <a:t>‹Nr.›</a:t>
+              <a:t>‹N›</a:t>
             </a:fld>
             <a:endParaRPr lang="it-IT"/>
           </a:p>
@@ -3840,7 +3869,7 @@
           <a:p>
             <a:fld id="{A45C0713-0BF6-406C-89F3-F72087C9D93E}" type="slidenum">
               <a:rPr lang="it-IT" smtClean="0"/>
-              <a:t>‹Nr.›</a:t>
+              <a:t>‹N›</a:t>
             </a:fld>
             <a:endParaRPr lang="it-IT"/>
           </a:p>
@@ -4166,7 +4195,7 @@
           <a:p>
             <a:fld id="{A45C0713-0BF6-406C-89F3-F72087C9D93E}" type="slidenum">
               <a:rPr lang="it-IT" smtClean="0"/>
-              <a:t>‹Nr.›</a:t>
+              <a:t>‹N›</a:t>
             </a:fld>
             <a:endParaRPr lang="it-IT"/>
           </a:p>
@@ -4617,7 +4646,7 @@
           <a:p>
             <a:fld id="{A45C0713-0BF6-406C-89F3-F72087C9D93E}" type="slidenum">
               <a:rPr lang="it-IT" smtClean="0"/>
-              <a:t>‹Nr.›</a:t>
+              <a:t>‹N›</a:t>
             </a:fld>
             <a:endParaRPr lang="it-IT"/>
           </a:p>
@@ -4735,7 +4764,7 @@
           <a:p>
             <a:fld id="{A45C0713-0BF6-406C-89F3-F72087C9D93E}" type="slidenum">
               <a:rPr lang="it-IT" smtClean="0"/>
-              <a:t>‹Nr.›</a:t>
+              <a:t>‹N›</a:t>
             </a:fld>
             <a:endParaRPr lang="it-IT"/>
           </a:p>
@@ -4830,7 +4859,7 @@
           <a:p>
             <a:fld id="{A45C0713-0BF6-406C-89F3-F72087C9D93E}" type="slidenum">
               <a:rPr lang="it-IT" smtClean="0"/>
-              <a:t>‹Nr.›</a:t>
+              <a:t>‹N›</a:t>
             </a:fld>
             <a:endParaRPr lang="it-IT"/>
           </a:p>
@@ -5117,7 +5146,7 @@
           <a:p>
             <a:fld id="{A45C0713-0BF6-406C-89F3-F72087C9D93E}" type="slidenum">
               <a:rPr lang="it-IT" smtClean="0"/>
-              <a:t>‹Nr.›</a:t>
+              <a:t>‹N›</a:t>
             </a:fld>
             <a:endParaRPr lang="it-IT"/>
           </a:p>
@@ -5439,7 +5468,7 @@
           <a:p>
             <a:fld id="{A45C0713-0BF6-406C-89F3-F72087C9D93E}" type="slidenum">
               <a:rPr lang="it-IT" smtClean="0"/>
-              <a:t>‹Nr.›</a:t>
+              <a:t>‹N›</a:t>
             </a:fld>
             <a:endParaRPr lang="it-IT"/>
           </a:p>
@@ -5733,7 +5762,7 @@
           <a:p>
             <a:fld id="{A45C0713-0BF6-406C-89F3-F72087C9D93E}" type="slidenum">
               <a:rPr lang="it-IT" smtClean="0"/>
-              <a:t>‹Nr.›</a:t>
+              <a:t>‹N›</a:t>
             </a:fld>
             <a:endParaRPr lang="it-IT"/>
           </a:p>
@@ -8029,7 +8058,7 @@
             <p:ph idx="1"/>
             <p:extLst>
               <p:ext uri="{D42A27DB-BD31-4B8C-83A1-F6EECF244321}">
-                <p14:modId xmlns:p14="http://schemas.microsoft.com/office/powerpoint/2010/main" val="3370101454"/>
+                <p14:modId xmlns:p14="http://schemas.microsoft.com/office/powerpoint/2010/main" val="4104606546"/>
               </p:ext>
             </p:extLst>
           </p:nvPr>
@@ -8157,6 +8186,7 @@
                     <a:bodyPr/>
                     <a:lstStyle/>
                     <a:p>
+                      <a:pPr algn="ctr"/>
                       <a:r>
                         <a:rPr lang="de-DE" dirty="0"/>
                         <a:t>175,884 s</a:t>
@@ -8171,7 +8201,11 @@
                     <a:bodyPr/>
                     <a:lstStyle/>
                     <a:p>
-                      <a:endParaRPr lang="de-AT"/>
+                      <a:pPr algn="ctr"/>
+                      <a:r>
+                        <a:rPr lang="de-AT" dirty="0"/>
+                        <a:t>0.121 s</a:t>
+                      </a:r>
                     </a:p>
                   </a:txBody>
                   <a:tcPr/>
@@ -8181,6 +8215,7 @@
                     <a:bodyPr/>
                     <a:lstStyle/>
                     <a:p>
+                      <a:pPr algn="ctr"/>
                       <a:endParaRPr lang="de-AT"/>
                     </a:p>
                   </a:txBody>
@@ -8212,6 +8247,7 @@
                     <a:bodyPr/>
                     <a:lstStyle/>
                     <a:p>
+                      <a:pPr algn="ctr"/>
                       <a:r>
                         <a:rPr lang="de-DE" dirty="0"/>
                         <a:t>    0,063 s</a:t>
@@ -8226,7 +8262,11 @@
                     <a:bodyPr/>
                     <a:lstStyle/>
                     <a:p>
-                      <a:endParaRPr lang="de-AT"/>
+                      <a:pPr algn="ctr"/>
+                      <a:r>
+                        <a:rPr lang="de-AT" dirty="0"/>
+                        <a:t>0.047 s</a:t>
+                      </a:r>
                     </a:p>
                   </a:txBody>
                   <a:tcPr/>
@@ -8236,6 +8276,7 @@
                     <a:bodyPr/>
                     <a:lstStyle/>
                     <a:p>
+                      <a:pPr algn="ctr"/>
                       <a:endParaRPr lang="de-AT"/>
                     </a:p>
                   </a:txBody>
@@ -8267,6 +8308,7 @@
                     <a:bodyPr/>
                     <a:lstStyle/>
                     <a:p>
+                      <a:pPr algn="ctr"/>
                       <a:r>
                         <a:rPr lang="de-DE" dirty="0"/>
                         <a:t>    1,577 s</a:t>
@@ -8281,7 +8323,11 @@
                     <a:bodyPr/>
                     <a:lstStyle/>
                     <a:p>
-                      <a:endParaRPr lang="de-AT"/>
+                      <a:pPr algn="ctr"/>
+                      <a:r>
+                        <a:rPr lang="de-AT" dirty="0"/>
+                        <a:t>0.027 s</a:t>
+                      </a:r>
                     </a:p>
                   </a:txBody>
                   <a:tcPr/>
@@ -8291,6 +8337,7 @@
                     <a:bodyPr/>
                     <a:lstStyle/>
                     <a:p>
+                      <a:pPr algn="ctr"/>
                       <a:endParaRPr lang="de-AT" dirty="0"/>
                     </a:p>
                   </a:txBody>
@@ -8330,6 +8377,7 @@
                     <a:bodyPr/>
                     <a:lstStyle/>
                     <a:p>
+                      <a:pPr algn="ctr"/>
                       <a:r>
                         <a:rPr lang="de-DE" dirty="0"/>
                         <a:t>  16,585 s</a:t>
@@ -8344,6 +8392,7 @@
                     <a:bodyPr/>
                     <a:lstStyle/>
                     <a:p>
+                      <a:pPr algn="ctr"/>
                       <a:endParaRPr lang="de-AT"/>
                     </a:p>
                   </a:txBody>
@@ -8354,6 +8403,7 @@
                     <a:bodyPr/>
                     <a:lstStyle/>
                     <a:p>
+                      <a:pPr algn="ctr"/>
                       <a:endParaRPr lang="de-AT" dirty="0"/>
                     </a:p>
                   </a:txBody>

--- a/ATAI_Presentation Hyper.pptx
+++ b/ATAI_Presentation Hyper.pptx
@@ -129,18 +129,18 @@
   <pc:docChgLst>
     <pc:chgData name="Al ex" userId="1d73023b5acb93cf" providerId="LiveId" clId="{A69545E9-AE12-4501-89D7-98D9D1617476}"/>
     <pc:docChg chg="modSld">
-      <pc:chgData name="Al ex" userId="1d73023b5acb93cf" providerId="LiveId" clId="{A69545E9-AE12-4501-89D7-98D9D1617476}" dt="2021-07-03T12:53:21.857" v="30" actId="20577"/>
+      <pc:chgData name="Al ex" userId="1d73023b5acb93cf" providerId="LiveId" clId="{A69545E9-AE12-4501-89D7-98D9D1617476}" dt="2021-07-03T15:31:47.666" v="42" actId="20577"/>
       <pc:docMkLst>
         <pc:docMk/>
       </pc:docMkLst>
       <pc:sldChg chg="modSp mod">
-        <pc:chgData name="Al ex" userId="1d73023b5acb93cf" providerId="LiveId" clId="{A69545E9-AE12-4501-89D7-98D9D1617476}" dt="2021-07-03T12:53:21.857" v="30" actId="20577"/>
+        <pc:chgData name="Al ex" userId="1d73023b5acb93cf" providerId="LiveId" clId="{A69545E9-AE12-4501-89D7-98D9D1617476}" dt="2021-07-03T15:31:47.666" v="42" actId="20577"/>
         <pc:sldMkLst>
           <pc:docMk/>
           <pc:sldMk cId="3869130354" sldId="272"/>
         </pc:sldMkLst>
         <pc:graphicFrameChg chg="modGraphic">
-          <ac:chgData name="Al ex" userId="1d73023b5acb93cf" providerId="LiveId" clId="{A69545E9-AE12-4501-89D7-98D9D1617476}" dt="2021-07-03T12:53:21.857" v="30" actId="20577"/>
+          <ac:chgData name="Al ex" userId="1d73023b5acb93cf" providerId="LiveId" clId="{A69545E9-AE12-4501-89D7-98D9D1617476}" dt="2021-07-03T15:31:47.666" v="42" actId="20577"/>
           <ac:graphicFrameMkLst>
             <pc:docMk/>
             <pc:sldMk cId="3869130354" sldId="272"/>
@@ -8058,7 +8058,7 @@
             <p:ph idx="1"/>
             <p:extLst>
               <p:ext uri="{D42A27DB-BD31-4B8C-83A1-F6EECF244321}">
-                <p14:modId xmlns:p14="http://schemas.microsoft.com/office/powerpoint/2010/main" val="4104606546"/>
+                <p14:modId xmlns:p14="http://schemas.microsoft.com/office/powerpoint/2010/main" val="1320244233"/>
               </p:ext>
             </p:extLst>
           </p:nvPr>
@@ -8393,7 +8393,10 @@
                     <a:lstStyle/>
                     <a:p>
                       <a:pPr algn="ctr"/>
-                      <a:endParaRPr lang="de-AT"/>
+                      <a:r>
+                        <a:rPr lang="de-AT" dirty="0"/>
+                        <a:t>0.703 s</a:t>
+                      </a:r>
                     </a:p>
                   </a:txBody>
                   <a:tcPr/>

--- a/ATAI_Presentation Hyper.pptx
+++ b/ATAI_Presentation Hyper.pptx
@@ -16,8 +16,8 @@
     <p:sldId id="269" r:id="rId10"/>
     <p:sldId id="265" r:id="rId11"/>
     <p:sldId id="273" r:id="rId12"/>
-    <p:sldId id="271" r:id="rId13"/>
-    <p:sldId id="272" r:id="rId14"/>
+    <p:sldId id="272" r:id="rId13"/>
+    <p:sldId id="271" r:id="rId14"/>
   </p:sldIdLst>
   <p:sldSz cx="12192000" cy="6858000"/>
   <p:notesSz cx="6858000" cy="9144000"/>
@@ -122,35 +122,6 @@
     </p:ext>
   </p:extLst>
 </p:presentation>
-</file>
-
-<file path=ppt/changesInfos/changesInfo1.xml><?xml version="1.0" encoding="utf-8"?>
-<pc:chgInfo xmlns:a="http://schemas.openxmlformats.org/drawingml/2006/main" xmlns:r="http://schemas.openxmlformats.org/officeDocument/2006/relationships" xmlns:ac="http://schemas.microsoft.com/office/drawing/2013/main/command" xmlns:pc="http://schemas.microsoft.com/office/powerpoint/2013/main/command">
-  <pc:docChgLst>
-    <pc:chgData name="Al ex" userId="1d73023b5acb93cf" providerId="LiveId" clId="{A69545E9-AE12-4501-89D7-98D9D1617476}"/>
-    <pc:docChg chg="modSld">
-      <pc:chgData name="Al ex" userId="1d73023b5acb93cf" providerId="LiveId" clId="{A69545E9-AE12-4501-89D7-98D9D1617476}" dt="2021-07-03T15:31:47.666" v="42" actId="20577"/>
-      <pc:docMkLst>
-        <pc:docMk/>
-      </pc:docMkLst>
-      <pc:sldChg chg="modSp mod">
-        <pc:chgData name="Al ex" userId="1d73023b5acb93cf" providerId="LiveId" clId="{A69545E9-AE12-4501-89D7-98D9D1617476}" dt="2021-07-03T15:31:47.666" v="42" actId="20577"/>
-        <pc:sldMkLst>
-          <pc:docMk/>
-          <pc:sldMk cId="3869130354" sldId="272"/>
-        </pc:sldMkLst>
-        <pc:graphicFrameChg chg="modGraphic">
-          <ac:chgData name="Al ex" userId="1d73023b5acb93cf" providerId="LiveId" clId="{A69545E9-AE12-4501-89D7-98D9D1617476}" dt="2021-07-03T15:31:47.666" v="42" actId="20577"/>
-          <ac:graphicFrameMkLst>
-            <pc:docMk/>
-            <pc:sldMk cId="3869130354" sldId="272"/>
-            <ac:graphicFrameMk id="4" creationId="{6119BF68-2995-48B2-B85D-ADE38DA574F1}"/>
-          </ac:graphicFrameMkLst>
-        </pc:graphicFrameChg>
-      </pc:sldChg>
-    </pc:docChg>
-  </pc:docChgLst>
-</pc:chgInfo>
 </file>
 
 <file path=ppt/diagrams/colors1.xml><?xml version="1.0" encoding="utf-8"?>
@@ -2995,7 +2966,7 @@
           <a:p>
             <a:fld id="{0FB1A7F6-0812-4A46-B0B3-17E31A6CF280}" type="datetimeFigureOut">
               <a:rPr lang="it-IT" smtClean="0"/>
-              <a:t>03/07/2021</a:t>
+              <a:t>04/07/2021</a:t>
             </a:fld>
             <a:endParaRPr lang="it-IT"/>
           </a:p>
@@ -3057,7 +3028,7 @@
           <a:p>
             <a:fld id="{A45C0713-0BF6-406C-89F3-F72087C9D93E}" type="slidenum">
               <a:rPr lang="it-IT" smtClean="0"/>
-              <a:t>‹N›</a:t>
+              <a:t>‹Nr.›</a:t>
             </a:fld>
             <a:endParaRPr lang="it-IT"/>
           </a:p>
@@ -3223,7 +3194,7 @@
           <a:p>
             <a:fld id="{0FB1A7F6-0812-4A46-B0B3-17E31A6CF280}" type="datetimeFigureOut">
               <a:rPr lang="it-IT" smtClean="0"/>
-              <a:t>03/07/2021</a:t>
+              <a:t>04/07/2021</a:t>
             </a:fld>
             <a:endParaRPr lang="it-IT"/>
           </a:p>
@@ -3265,7 +3236,7 @@
           <a:p>
             <a:fld id="{A45C0713-0BF6-406C-89F3-F72087C9D93E}" type="slidenum">
               <a:rPr lang="it-IT" smtClean="0"/>
-              <a:t>‹N›</a:t>
+              <a:t>‹Nr.›</a:t>
             </a:fld>
             <a:endParaRPr lang="it-IT"/>
           </a:p>
@@ -3403,7 +3374,7 @@
           <a:p>
             <a:fld id="{0FB1A7F6-0812-4A46-B0B3-17E31A6CF280}" type="datetimeFigureOut">
               <a:rPr lang="it-IT" smtClean="0"/>
-              <a:t>03/07/2021</a:t>
+              <a:t>04/07/2021</a:t>
             </a:fld>
             <a:endParaRPr lang="it-IT"/>
           </a:p>
@@ -3445,7 +3416,7 @@
           <a:p>
             <a:fld id="{A45C0713-0BF6-406C-89F3-F72087C9D93E}" type="slidenum">
               <a:rPr lang="it-IT" smtClean="0"/>
-              <a:t>‹N›</a:t>
+              <a:t>‹Nr.›</a:t>
             </a:fld>
             <a:endParaRPr lang="it-IT"/>
           </a:p>
@@ -3573,7 +3544,7 @@
           <a:p>
             <a:fld id="{0FB1A7F6-0812-4A46-B0B3-17E31A6CF280}" type="datetimeFigureOut">
               <a:rPr lang="it-IT" smtClean="0"/>
-              <a:t>03/07/2021</a:t>
+              <a:t>04/07/2021</a:t>
             </a:fld>
             <a:endParaRPr lang="it-IT"/>
           </a:p>
@@ -3615,7 +3586,7 @@
           <a:p>
             <a:fld id="{A45C0713-0BF6-406C-89F3-F72087C9D93E}" type="slidenum">
               <a:rPr lang="it-IT" smtClean="0"/>
-              <a:t>‹N›</a:t>
+              <a:t>‹Nr.›</a:t>
             </a:fld>
             <a:endParaRPr lang="it-IT"/>
           </a:p>
@@ -3827,7 +3798,7 @@
           <a:p>
             <a:fld id="{0FB1A7F6-0812-4A46-B0B3-17E31A6CF280}" type="datetimeFigureOut">
               <a:rPr lang="it-IT" smtClean="0"/>
-              <a:t>03/07/2021</a:t>
+              <a:t>04/07/2021</a:t>
             </a:fld>
             <a:endParaRPr lang="it-IT"/>
           </a:p>
@@ -3869,7 +3840,7 @@
           <a:p>
             <a:fld id="{A45C0713-0BF6-406C-89F3-F72087C9D93E}" type="slidenum">
               <a:rPr lang="it-IT" smtClean="0"/>
-              <a:t>‹N›</a:t>
+              <a:t>‹Nr.›</a:t>
             </a:fld>
             <a:endParaRPr lang="it-IT"/>
           </a:p>
@@ -4153,7 +4124,7 @@
           <a:p>
             <a:fld id="{0FB1A7F6-0812-4A46-B0B3-17E31A6CF280}" type="datetimeFigureOut">
               <a:rPr lang="it-IT" smtClean="0"/>
-              <a:t>03/07/2021</a:t>
+              <a:t>04/07/2021</a:t>
             </a:fld>
             <a:endParaRPr lang="it-IT"/>
           </a:p>
@@ -4195,7 +4166,7 @@
           <a:p>
             <a:fld id="{A45C0713-0BF6-406C-89F3-F72087C9D93E}" type="slidenum">
               <a:rPr lang="it-IT" smtClean="0"/>
-              <a:t>‹N›</a:t>
+              <a:t>‹Nr.›</a:t>
             </a:fld>
             <a:endParaRPr lang="it-IT"/>
           </a:p>
@@ -4604,7 +4575,7 @@
           <a:p>
             <a:fld id="{0FB1A7F6-0812-4A46-B0B3-17E31A6CF280}" type="datetimeFigureOut">
               <a:rPr lang="it-IT" smtClean="0"/>
-              <a:t>03/07/2021</a:t>
+              <a:t>04/07/2021</a:t>
             </a:fld>
             <a:endParaRPr lang="it-IT"/>
           </a:p>
@@ -4646,7 +4617,7 @@
           <a:p>
             <a:fld id="{A45C0713-0BF6-406C-89F3-F72087C9D93E}" type="slidenum">
               <a:rPr lang="it-IT" smtClean="0"/>
-              <a:t>‹N›</a:t>
+              <a:t>‹Nr.›</a:t>
             </a:fld>
             <a:endParaRPr lang="it-IT"/>
           </a:p>
@@ -4722,7 +4693,7 @@
           <a:p>
             <a:fld id="{0FB1A7F6-0812-4A46-B0B3-17E31A6CF280}" type="datetimeFigureOut">
               <a:rPr lang="it-IT" smtClean="0"/>
-              <a:t>03/07/2021</a:t>
+              <a:t>04/07/2021</a:t>
             </a:fld>
             <a:endParaRPr lang="it-IT"/>
           </a:p>
@@ -4764,7 +4735,7 @@
           <a:p>
             <a:fld id="{A45C0713-0BF6-406C-89F3-F72087C9D93E}" type="slidenum">
               <a:rPr lang="it-IT" smtClean="0"/>
-              <a:t>‹N›</a:t>
+              <a:t>‹Nr.›</a:t>
             </a:fld>
             <a:endParaRPr lang="it-IT"/>
           </a:p>
@@ -4817,7 +4788,7 @@
           <a:p>
             <a:fld id="{0FB1A7F6-0812-4A46-B0B3-17E31A6CF280}" type="datetimeFigureOut">
               <a:rPr lang="it-IT" smtClean="0"/>
-              <a:t>03/07/2021</a:t>
+              <a:t>04/07/2021</a:t>
             </a:fld>
             <a:endParaRPr lang="it-IT"/>
           </a:p>
@@ -4859,7 +4830,7 @@
           <a:p>
             <a:fld id="{A45C0713-0BF6-406C-89F3-F72087C9D93E}" type="slidenum">
               <a:rPr lang="it-IT" smtClean="0"/>
-              <a:t>‹N›</a:t>
+              <a:t>‹Nr.›</a:t>
             </a:fld>
             <a:endParaRPr lang="it-IT"/>
           </a:p>
@@ -5104,7 +5075,7 @@
           <a:p>
             <a:fld id="{0FB1A7F6-0812-4A46-B0B3-17E31A6CF280}" type="datetimeFigureOut">
               <a:rPr lang="it-IT" smtClean="0"/>
-              <a:t>03/07/2021</a:t>
+              <a:t>04/07/2021</a:t>
             </a:fld>
             <a:endParaRPr lang="it-IT"/>
           </a:p>
@@ -5146,7 +5117,7 @@
           <a:p>
             <a:fld id="{A45C0713-0BF6-406C-89F3-F72087C9D93E}" type="slidenum">
               <a:rPr lang="it-IT" smtClean="0"/>
-              <a:t>‹N›</a:t>
+              <a:t>‹Nr.›</a:t>
             </a:fld>
             <a:endParaRPr lang="it-IT"/>
           </a:p>
@@ -5426,7 +5397,7 @@
           <a:p>
             <a:fld id="{0FB1A7F6-0812-4A46-B0B3-17E31A6CF280}" type="datetimeFigureOut">
               <a:rPr lang="it-IT" smtClean="0"/>
-              <a:t>03/07/2021</a:t>
+              <a:t>04/07/2021</a:t>
             </a:fld>
             <a:endParaRPr lang="it-IT"/>
           </a:p>
@@ -5468,7 +5439,7 @@
           <a:p>
             <a:fld id="{A45C0713-0BF6-406C-89F3-F72087C9D93E}" type="slidenum">
               <a:rPr lang="it-IT" smtClean="0"/>
-              <a:t>‹N›</a:t>
+              <a:t>‹Nr.›</a:t>
             </a:fld>
             <a:endParaRPr lang="it-IT"/>
           </a:p>
@@ -5680,7 +5651,7 @@
           <a:p>
             <a:fld id="{0FB1A7F6-0812-4A46-B0B3-17E31A6CF280}" type="datetimeFigureOut">
               <a:rPr lang="it-IT" smtClean="0"/>
-              <a:t>03/07/2021</a:t>
+              <a:t>04/07/2021</a:t>
             </a:fld>
             <a:endParaRPr lang="it-IT"/>
           </a:p>
@@ -5762,7 +5733,7 @@
           <a:p>
             <a:fld id="{A45C0713-0BF6-406C-89F3-F72087C9D93E}" type="slidenum">
               <a:rPr lang="it-IT" smtClean="0"/>
-              <a:t>‹N›</a:t>
+              <a:t>‹Nr.›</a:t>
             </a:fld>
             <a:endParaRPr lang="it-IT"/>
           </a:p>
@@ -7718,6 +7689,579 @@
       </p:grpSpPr>
       <p:sp>
         <p:nvSpPr>
+          <p:cNvPr id="2" name="Titel 1">
+            <a:extLst>
+              <a:ext uri="{FF2B5EF4-FFF2-40B4-BE49-F238E27FC236}">
+                <a16:creationId xmlns:a16="http://schemas.microsoft.com/office/drawing/2014/main" id="{28AF50B1-66FE-4BD9-A0C2-15D8E1673A81}"/>
+              </a:ext>
+            </a:extLst>
+          </p:cNvPr>
+          <p:cNvSpPr>
+            <a:spLocks noGrp="1"/>
+          </p:cNvSpPr>
+          <p:nvPr>
+            <p:ph type="title"/>
+          </p:nvPr>
+        </p:nvSpPr>
+        <p:spPr/>
+        <p:txBody>
+          <a:bodyPr/>
+          <a:lstStyle/>
+          <a:p>
+            <a:r>
+              <a:rPr lang="de-DE" dirty="0"/>
+              <a:t>Performance </a:t>
+            </a:r>
+            <a:r>
+              <a:rPr lang="de-DE" dirty="0" err="1"/>
+              <a:t>comparison</a:t>
+            </a:r>
+            <a:r>
+              <a:rPr lang="de-DE" dirty="0"/>
+              <a:t> </a:t>
+            </a:r>
+            <a:r>
+              <a:rPr lang="de-DE" dirty="0" err="1"/>
+              <a:t>Hyper</a:t>
+            </a:r>
+            <a:endParaRPr lang="de-AT" dirty="0"/>
+          </a:p>
+        </p:txBody>
+      </p:sp>
+      <p:graphicFrame>
+        <p:nvGraphicFramePr>
+          <p:cNvPr id="4" name="Tabelle 4">
+            <a:extLst>
+              <a:ext uri="{FF2B5EF4-FFF2-40B4-BE49-F238E27FC236}">
+                <a16:creationId xmlns:a16="http://schemas.microsoft.com/office/drawing/2014/main" id="{6119BF68-2995-48B2-B85D-ADE38DA574F1}"/>
+              </a:ext>
+            </a:extLst>
+          </p:cNvPr>
+          <p:cNvGraphicFramePr>
+            <a:graphicFrameLocks noGrp="1"/>
+          </p:cNvGraphicFramePr>
+          <p:nvPr>
+            <p:ph idx="1"/>
+            <p:extLst>
+              <p:ext uri="{D42A27DB-BD31-4B8C-83A1-F6EECF244321}">
+                <p14:modId xmlns:p14="http://schemas.microsoft.com/office/powerpoint/2010/main" val="2390823161"/>
+              </p:ext>
+            </p:extLst>
+          </p:nvPr>
+        </p:nvGraphicFramePr>
+        <p:xfrm>
+          <a:off x="1366590" y="2367343"/>
+          <a:ext cx="8594724" cy="2123440"/>
+        </p:xfrm>
+        <a:graphic>
+          <a:graphicData uri="http://schemas.openxmlformats.org/drawingml/2006/table">
+            <a:tbl>
+              <a:tblPr firstRow="1" bandRow="1">
+                <a:tableStyleId>{5C22544A-7EE6-4342-B048-85BDC9FD1C3A}</a:tableStyleId>
+              </a:tblPr>
+              <a:tblGrid>
+                <a:gridCol w="2148681">
+                  <a:extLst>
+                    <a:ext uri="{9D8B030D-6E8A-4147-A177-3AD203B41FA5}">
+                      <a16:colId xmlns:a16="http://schemas.microsoft.com/office/drawing/2014/main" val="52754210"/>
+                    </a:ext>
+                  </a:extLst>
+                </a:gridCol>
+                <a:gridCol w="2148681">
+                  <a:extLst>
+                    <a:ext uri="{9D8B030D-6E8A-4147-A177-3AD203B41FA5}">
+                      <a16:colId xmlns:a16="http://schemas.microsoft.com/office/drawing/2014/main" val="2515016788"/>
+                    </a:ext>
+                  </a:extLst>
+                </a:gridCol>
+                <a:gridCol w="2148681">
+                  <a:extLst>
+                    <a:ext uri="{9D8B030D-6E8A-4147-A177-3AD203B41FA5}">
+                      <a16:colId xmlns:a16="http://schemas.microsoft.com/office/drawing/2014/main" val="889444720"/>
+                    </a:ext>
+                  </a:extLst>
+                </a:gridCol>
+                <a:gridCol w="2148681">
+                  <a:extLst>
+                    <a:ext uri="{9D8B030D-6E8A-4147-A177-3AD203B41FA5}">
+                      <a16:colId xmlns:a16="http://schemas.microsoft.com/office/drawing/2014/main" val="44818972"/>
+                    </a:ext>
+                  </a:extLst>
+                </a:gridCol>
+              </a:tblGrid>
+              <a:tr h="370840">
+                <a:tc>
+                  <a:txBody>
+                    <a:bodyPr/>
+                    <a:lstStyle/>
+                    <a:p>
+                      <a:r>
+                        <a:rPr lang="de-DE" dirty="0"/>
+                        <a:t>Task</a:t>
+                      </a:r>
+                      <a:endParaRPr lang="de-AT" dirty="0"/>
+                    </a:p>
+                  </a:txBody>
+                  <a:tcPr/>
+                </a:tc>
+                <a:tc>
+                  <a:txBody>
+                    <a:bodyPr/>
+                    <a:lstStyle/>
+                    <a:p>
+                      <a:pPr algn="ctr"/>
+                      <a:r>
+                        <a:rPr lang="de-DE" dirty="0"/>
+                        <a:t>Time (*)</a:t>
+                      </a:r>
+                      <a:endParaRPr lang="de-AT" dirty="0"/>
+                    </a:p>
+                  </a:txBody>
+                  <a:tcPr/>
+                </a:tc>
+                <a:tc>
+                  <a:txBody>
+                    <a:bodyPr/>
+                    <a:lstStyle/>
+                    <a:p>
+                      <a:pPr algn="ctr"/>
+                      <a:r>
+                        <a:rPr lang="de-DE" dirty="0"/>
+                        <a:t># </a:t>
+                      </a:r>
+                      <a:r>
+                        <a:rPr lang="de-DE" dirty="0" err="1"/>
+                        <a:t>Hypotheses</a:t>
+                      </a:r>
+                      <a:r>
+                        <a:rPr lang="de-DE" dirty="0"/>
+                        <a:t> </a:t>
+                      </a:r>
+                      <a:r>
+                        <a:rPr lang="de-DE" dirty="0" err="1"/>
+                        <a:t>generated</a:t>
+                      </a:r>
+                      <a:endParaRPr lang="de-AT" dirty="0"/>
+                    </a:p>
+                  </a:txBody>
+                  <a:tcPr/>
+                </a:tc>
+                <a:tc>
+                  <a:txBody>
+                    <a:bodyPr/>
+                    <a:lstStyle/>
+                    <a:p>
+                      <a:pPr algn="ctr"/>
+                      <a:r>
+                        <a:rPr lang="de-DE" dirty="0"/>
+                        <a:t># </a:t>
+                      </a:r>
+                      <a:r>
+                        <a:rPr lang="de-DE" dirty="0" err="1"/>
+                        <a:t>Hypotheses</a:t>
+                      </a:r>
+                      <a:r>
+                        <a:rPr lang="de-DE" dirty="0"/>
+                        <a:t> </a:t>
+                      </a:r>
+                      <a:r>
+                        <a:rPr lang="de-DE" dirty="0" err="1"/>
+                        <a:t>refined</a:t>
+                      </a:r>
+                      <a:endParaRPr lang="de-AT" dirty="0"/>
+                    </a:p>
+                  </a:txBody>
+                  <a:tcPr/>
+                </a:tc>
+                <a:extLst>
+                  <a:ext uri="{0D108BD9-81ED-4DB2-BD59-A6C34878D82A}">
+                    <a16:rowId xmlns:a16="http://schemas.microsoft.com/office/drawing/2014/main" val="1430978810"/>
+                  </a:ext>
+                </a:extLst>
+              </a:tr>
+              <a:tr h="370840">
+                <a:tc>
+                  <a:txBody>
+                    <a:bodyPr/>
+                    <a:lstStyle/>
+                    <a:p>
+                      <a:r>
+                        <a:rPr lang="de-DE" dirty="0" err="1"/>
+                        <a:t>adjacent</a:t>
+                      </a:r>
+                      <a:endParaRPr lang="de-AT" dirty="0"/>
+                    </a:p>
+                  </a:txBody>
+                  <a:tcPr/>
+                </a:tc>
+                <a:tc>
+                  <a:txBody>
+                    <a:bodyPr/>
+                    <a:lstStyle/>
+                    <a:p>
+                      <a:pPr algn="r"/>
+                      <a:r>
+                        <a:rPr lang="de-DE" dirty="0"/>
+                        <a:t>175,884 s</a:t>
+                      </a:r>
+                      <a:endParaRPr lang="de-AT" dirty="0"/>
+                    </a:p>
+                  </a:txBody>
+                  <a:tcPr/>
+                </a:tc>
+                <a:tc>
+                  <a:txBody>
+                    <a:bodyPr/>
+                    <a:lstStyle/>
+                    <a:p>
+                      <a:pPr algn="r"/>
+                      <a:r>
+                        <a:rPr lang="de-DE" dirty="0"/>
+                        <a:t>29,870</a:t>
+                      </a:r>
+                      <a:endParaRPr lang="de-AT" dirty="0"/>
+                    </a:p>
+                  </a:txBody>
+                  <a:tcPr/>
+                </a:tc>
+                <a:tc>
+                  <a:txBody>
+                    <a:bodyPr/>
+                    <a:lstStyle/>
+                    <a:p>
+                      <a:pPr algn="r"/>
+                      <a:r>
+                        <a:rPr lang="de-DE" dirty="0"/>
+                        <a:t>4,687</a:t>
+                      </a:r>
+                      <a:endParaRPr lang="de-AT" dirty="0"/>
+                    </a:p>
+                  </a:txBody>
+                  <a:tcPr/>
+                </a:tc>
+                <a:extLst>
+                  <a:ext uri="{0D108BD9-81ED-4DB2-BD59-A6C34878D82A}">
+                    <a16:rowId xmlns:a16="http://schemas.microsoft.com/office/drawing/2014/main" val="1515363736"/>
+                  </a:ext>
+                </a:extLst>
+              </a:tr>
+              <a:tr h="370840">
+                <a:tc>
+                  <a:txBody>
+                    <a:bodyPr/>
+                    <a:lstStyle/>
+                    <a:p>
+                      <a:r>
+                        <a:rPr lang="de-DE" dirty="0"/>
+                        <a:t>Move (**)</a:t>
+                      </a:r>
+                      <a:endParaRPr lang="de-AT" dirty="0"/>
+                    </a:p>
+                  </a:txBody>
+                  <a:tcPr/>
+                </a:tc>
+                <a:tc>
+                  <a:txBody>
+                    <a:bodyPr/>
+                    <a:lstStyle/>
+                    <a:p>
+                      <a:pPr algn="r"/>
+                      <a:r>
+                        <a:rPr lang="de-DE" dirty="0"/>
+                        <a:t>    0,063 s</a:t>
+                      </a:r>
+                      <a:endParaRPr lang="de-AT" dirty="0"/>
+                    </a:p>
+                  </a:txBody>
+                  <a:tcPr/>
+                </a:tc>
+                <a:tc>
+                  <a:txBody>
+                    <a:bodyPr/>
+                    <a:lstStyle/>
+                    <a:p>
+                      <a:pPr algn="r"/>
+                      <a:r>
+                        <a:rPr lang="de-DE" dirty="0"/>
+                        <a:t>13</a:t>
+                      </a:r>
+                      <a:endParaRPr lang="de-AT" dirty="0"/>
+                    </a:p>
+                  </a:txBody>
+                  <a:tcPr/>
+                </a:tc>
+                <a:tc>
+                  <a:txBody>
+                    <a:bodyPr/>
+                    <a:lstStyle/>
+                    <a:p>
+                      <a:pPr algn="r"/>
+                      <a:r>
+                        <a:rPr lang="de-DE" dirty="0"/>
+                        <a:t>2</a:t>
+                      </a:r>
+                      <a:endParaRPr lang="de-AT" dirty="0"/>
+                    </a:p>
+                  </a:txBody>
+                  <a:tcPr/>
+                </a:tc>
+                <a:extLst>
+                  <a:ext uri="{0D108BD9-81ED-4DB2-BD59-A6C34878D82A}">
+                    <a16:rowId xmlns:a16="http://schemas.microsoft.com/office/drawing/2014/main" val="1835639504"/>
+                  </a:ext>
+                </a:extLst>
+              </a:tr>
+              <a:tr h="370840">
+                <a:tc>
+                  <a:txBody>
+                    <a:bodyPr/>
+                    <a:lstStyle/>
+                    <a:p>
+                      <a:r>
+                        <a:rPr lang="de-DE" dirty="0" err="1"/>
+                        <a:t>reach</a:t>
+                      </a:r>
+                      <a:endParaRPr lang="de-AT" dirty="0"/>
+                    </a:p>
+                  </a:txBody>
+                  <a:tcPr/>
+                </a:tc>
+                <a:tc>
+                  <a:txBody>
+                    <a:bodyPr/>
+                    <a:lstStyle/>
+                    <a:p>
+                      <a:pPr algn="r"/>
+                      <a:r>
+                        <a:rPr lang="de-DE" dirty="0"/>
+                        <a:t>    1,577 s</a:t>
+                      </a:r>
+                      <a:endParaRPr lang="de-AT" dirty="0"/>
+                    </a:p>
+                  </a:txBody>
+                  <a:tcPr/>
+                </a:tc>
+                <a:tc>
+                  <a:txBody>
+                    <a:bodyPr/>
+                    <a:lstStyle/>
+                    <a:p>
+                      <a:pPr algn="r"/>
+                      <a:r>
+                        <a:rPr lang="de-DE" dirty="0"/>
+                        <a:t>265</a:t>
+                      </a:r>
+                      <a:endParaRPr lang="de-AT" dirty="0"/>
+                    </a:p>
+                  </a:txBody>
+                  <a:tcPr/>
+                </a:tc>
+                <a:tc>
+                  <a:txBody>
+                    <a:bodyPr/>
+                    <a:lstStyle/>
+                    <a:p>
+                      <a:pPr algn="r"/>
+                      <a:r>
+                        <a:rPr lang="de-DE" dirty="0"/>
+                        <a:t>46</a:t>
+                      </a:r>
+                      <a:endParaRPr lang="de-AT" dirty="0"/>
+                    </a:p>
+                  </a:txBody>
+                  <a:tcPr/>
+                </a:tc>
+                <a:extLst>
+                  <a:ext uri="{0D108BD9-81ED-4DB2-BD59-A6C34878D82A}">
+                    <a16:rowId xmlns:a16="http://schemas.microsoft.com/office/drawing/2014/main" val="2829995181"/>
+                  </a:ext>
+                </a:extLst>
+              </a:tr>
+              <a:tr h="370840">
+                <a:tc>
+                  <a:txBody>
+                    <a:bodyPr/>
+                    <a:lstStyle/>
+                    <a:p>
+                      <a:r>
+                        <a:rPr lang="de-DE" dirty="0" err="1"/>
+                        <a:t>move</a:t>
+                      </a:r>
+                      <a:r>
+                        <a:rPr lang="de-DE" dirty="0"/>
+                        <a:t> &amp; </a:t>
+                      </a:r>
+                      <a:r>
+                        <a:rPr lang="de-DE" dirty="0" err="1"/>
+                        <a:t>reach</a:t>
+                      </a:r>
+                      <a:endParaRPr lang="de-AT" dirty="0"/>
+                    </a:p>
+                  </a:txBody>
+                  <a:tcPr/>
+                </a:tc>
+                <a:tc>
+                  <a:txBody>
+                    <a:bodyPr/>
+                    <a:lstStyle/>
+                    <a:p>
+                      <a:pPr algn="r"/>
+                      <a:r>
+                        <a:rPr lang="de-DE" dirty="0"/>
+                        <a:t>  16,585 s</a:t>
+                      </a:r>
+                      <a:endParaRPr lang="de-AT" dirty="0"/>
+                    </a:p>
+                  </a:txBody>
+                  <a:tcPr/>
+                </a:tc>
+                <a:tc>
+                  <a:txBody>
+                    <a:bodyPr/>
+                    <a:lstStyle/>
+                    <a:p>
+                      <a:pPr algn="r"/>
+                      <a:r>
+                        <a:rPr lang="de-DE" dirty="0"/>
+                        <a:t>3034</a:t>
+                      </a:r>
+                      <a:endParaRPr lang="de-AT" dirty="0"/>
+                    </a:p>
+                  </a:txBody>
+                  <a:tcPr/>
+                </a:tc>
+                <a:tc>
+                  <a:txBody>
+                    <a:bodyPr/>
+                    <a:lstStyle/>
+                    <a:p>
+                      <a:pPr algn="r"/>
+                      <a:r>
+                        <a:rPr lang="de-DE" dirty="0"/>
+                        <a:t>327</a:t>
+                      </a:r>
+                      <a:endParaRPr lang="de-AT" dirty="0"/>
+                    </a:p>
+                  </a:txBody>
+                  <a:tcPr/>
+                </a:tc>
+                <a:extLst>
+                  <a:ext uri="{0D108BD9-81ED-4DB2-BD59-A6C34878D82A}">
+                    <a16:rowId xmlns:a16="http://schemas.microsoft.com/office/drawing/2014/main" val="3778703835"/>
+                  </a:ext>
+                </a:extLst>
+              </a:tr>
+            </a:tbl>
+          </a:graphicData>
+        </a:graphic>
+      </p:graphicFrame>
+      <p:sp>
+        <p:nvSpPr>
+          <p:cNvPr id="5" name="Textfeld 4">
+            <a:extLst>
+              <a:ext uri="{FF2B5EF4-FFF2-40B4-BE49-F238E27FC236}">
+                <a16:creationId xmlns:a16="http://schemas.microsoft.com/office/drawing/2014/main" id="{96290799-DCD4-42AF-9491-3C6BEBCE70D4}"/>
+              </a:ext>
+            </a:extLst>
+          </p:cNvPr>
+          <p:cNvSpPr txBox="1"/>
+          <p:nvPr/>
+        </p:nvSpPr>
+        <p:spPr>
+          <a:xfrm>
+            <a:off x="1261872" y="5166804"/>
+            <a:ext cx="4402080" cy="646331"/>
+          </a:xfrm>
+          <a:prstGeom prst="rect">
+            <a:avLst/>
+          </a:prstGeom>
+          <a:noFill/>
+        </p:spPr>
+        <p:txBody>
+          <a:bodyPr wrap="square" rtlCol="0">
+            <a:spAutoFit/>
+          </a:bodyPr>
+          <a:lstStyle/>
+          <a:p>
+            <a:r>
+              <a:rPr lang="de-DE" dirty="0"/>
+              <a:t>(*)  Mean </a:t>
+            </a:r>
+            <a:r>
+              <a:rPr lang="de-DE" dirty="0" err="1"/>
+              <a:t>values</a:t>
+            </a:r>
+            <a:r>
+              <a:rPr lang="de-DE" dirty="0"/>
+              <a:t> </a:t>
+            </a:r>
+            <a:r>
+              <a:rPr lang="de-DE" dirty="0" err="1"/>
+              <a:t>from</a:t>
+            </a:r>
+            <a:r>
+              <a:rPr lang="de-DE" dirty="0"/>
+              <a:t> 10 </a:t>
+            </a:r>
+            <a:r>
+              <a:rPr lang="de-DE" dirty="0" err="1"/>
+              <a:t>runs</a:t>
+            </a:r>
+            <a:endParaRPr lang="de-DE" dirty="0"/>
+          </a:p>
+          <a:p>
+            <a:r>
+              <a:rPr lang="de-DE" dirty="0"/>
+              <a:t>(**) Independent </a:t>
+            </a:r>
+            <a:r>
+              <a:rPr lang="de-DE" dirty="0" err="1"/>
+              <a:t>of</a:t>
+            </a:r>
+            <a:r>
+              <a:rPr lang="de-DE" dirty="0"/>
+              <a:t> </a:t>
+            </a:r>
+            <a:r>
+              <a:rPr lang="de-DE" dirty="0" err="1"/>
+              <a:t>grid</a:t>
+            </a:r>
+            <a:endParaRPr lang="de-AT" dirty="0"/>
+          </a:p>
+        </p:txBody>
+      </p:sp>
+    </p:spTree>
+    <p:extLst>
+      <p:ext uri="{BB962C8B-B14F-4D97-AF65-F5344CB8AC3E}">
+        <p14:creationId xmlns:p14="http://schemas.microsoft.com/office/powerpoint/2010/main" val="3869130354"/>
+      </p:ext>
+    </p:extLst>
+  </p:cSld>
+  <p:clrMapOvr>
+    <a:masterClrMapping/>
+  </p:clrMapOvr>
+</p:sld>
+</file>
+
+<file path=ppt/slides/slide13.xml><?xml version="1.0" encoding="utf-8"?>
+<p:sld xmlns:a="http://schemas.openxmlformats.org/drawingml/2006/main" xmlns:r="http://schemas.openxmlformats.org/officeDocument/2006/relationships" xmlns:p="http://schemas.openxmlformats.org/presentationml/2006/main">
+  <p:cSld>
+    <p:spTree>
+      <p:nvGrpSpPr>
+        <p:cNvPr id="1" name=""/>
+        <p:cNvGrpSpPr/>
+        <p:nvPr/>
+      </p:nvGrpSpPr>
+      <p:grpSpPr>
+        <a:xfrm>
+          <a:off x="0" y="0"/>
+          <a:ext cx="0" cy="0"/>
+          <a:chOff x="0" y="0"/>
+          <a:chExt cx="0" cy="0"/>
+        </a:xfrm>
+      </p:grpSpPr>
+      <p:sp>
+        <p:nvSpPr>
           <p:cNvPr id="2" name="Titolo 1">
             <a:extLst>
               <a:ext uri="{FF2B5EF4-FFF2-40B4-BE49-F238E27FC236}">
@@ -7983,505 +8527,6 @@
     <p:extLst>
       <p:ext uri="{BB962C8B-B14F-4D97-AF65-F5344CB8AC3E}">
         <p14:creationId xmlns:p14="http://schemas.microsoft.com/office/powerpoint/2010/main" val="2828345095"/>
-      </p:ext>
-    </p:extLst>
-  </p:cSld>
-  <p:clrMapOvr>
-    <a:masterClrMapping/>
-  </p:clrMapOvr>
-</p:sld>
-</file>
-
-<file path=ppt/slides/slide13.xml><?xml version="1.0" encoding="utf-8"?>
-<p:sld xmlns:a="http://schemas.openxmlformats.org/drawingml/2006/main" xmlns:r="http://schemas.openxmlformats.org/officeDocument/2006/relationships" xmlns:p="http://schemas.openxmlformats.org/presentationml/2006/main">
-  <p:cSld>
-    <p:spTree>
-      <p:nvGrpSpPr>
-        <p:cNvPr id="1" name=""/>
-        <p:cNvGrpSpPr/>
-        <p:nvPr/>
-      </p:nvGrpSpPr>
-      <p:grpSpPr>
-        <a:xfrm>
-          <a:off x="0" y="0"/>
-          <a:ext cx="0" cy="0"/>
-          <a:chOff x="0" y="0"/>
-          <a:chExt cx="0" cy="0"/>
-        </a:xfrm>
-      </p:grpSpPr>
-      <p:sp>
-        <p:nvSpPr>
-          <p:cNvPr id="2" name="Titel 1">
-            <a:extLst>
-              <a:ext uri="{FF2B5EF4-FFF2-40B4-BE49-F238E27FC236}">
-                <a16:creationId xmlns:a16="http://schemas.microsoft.com/office/drawing/2014/main" id="{28AF50B1-66FE-4BD9-A0C2-15D8E1673A81}"/>
-              </a:ext>
-            </a:extLst>
-          </p:cNvPr>
-          <p:cNvSpPr>
-            <a:spLocks noGrp="1"/>
-          </p:cNvSpPr>
-          <p:nvPr>
-            <p:ph type="title"/>
-          </p:nvPr>
-        </p:nvSpPr>
-        <p:spPr/>
-        <p:txBody>
-          <a:bodyPr/>
-          <a:lstStyle/>
-          <a:p>
-            <a:r>
-              <a:rPr lang="de-DE" dirty="0"/>
-              <a:t>Performance </a:t>
-            </a:r>
-            <a:r>
-              <a:rPr lang="de-DE" dirty="0" err="1"/>
-              <a:t>comparison</a:t>
-            </a:r>
-            <a:endParaRPr lang="de-AT" dirty="0"/>
-          </a:p>
-        </p:txBody>
-      </p:sp>
-      <p:graphicFrame>
-        <p:nvGraphicFramePr>
-          <p:cNvPr id="4" name="Tabelle 4">
-            <a:extLst>
-              <a:ext uri="{FF2B5EF4-FFF2-40B4-BE49-F238E27FC236}">
-                <a16:creationId xmlns:a16="http://schemas.microsoft.com/office/drawing/2014/main" id="{6119BF68-2995-48B2-B85D-ADE38DA574F1}"/>
-              </a:ext>
-            </a:extLst>
-          </p:cNvPr>
-          <p:cNvGraphicFramePr>
-            <a:graphicFrameLocks noGrp="1"/>
-          </p:cNvGraphicFramePr>
-          <p:nvPr>
-            <p:ph idx="1"/>
-            <p:extLst>
-              <p:ext uri="{D42A27DB-BD31-4B8C-83A1-F6EECF244321}">
-                <p14:modId xmlns:p14="http://schemas.microsoft.com/office/powerpoint/2010/main" val="1320244233"/>
-              </p:ext>
-            </p:extLst>
-          </p:nvPr>
-        </p:nvGraphicFramePr>
-        <p:xfrm>
-          <a:off x="1262063" y="1828800"/>
-          <a:ext cx="8594724" cy="1854200"/>
-        </p:xfrm>
-        <a:graphic>
-          <a:graphicData uri="http://schemas.openxmlformats.org/drawingml/2006/table">
-            <a:tbl>
-              <a:tblPr firstRow="1" bandRow="1">
-                <a:tableStyleId>{5C22544A-7EE6-4342-B048-85BDC9FD1C3A}</a:tableStyleId>
-              </a:tblPr>
-              <a:tblGrid>
-                <a:gridCol w="2148681">
-                  <a:extLst>
-                    <a:ext uri="{9D8B030D-6E8A-4147-A177-3AD203B41FA5}">
-                      <a16:colId xmlns:a16="http://schemas.microsoft.com/office/drawing/2014/main" val="52754210"/>
-                    </a:ext>
-                  </a:extLst>
-                </a:gridCol>
-                <a:gridCol w="2148681">
-                  <a:extLst>
-                    <a:ext uri="{9D8B030D-6E8A-4147-A177-3AD203B41FA5}">
-                      <a16:colId xmlns:a16="http://schemas.microsoft.com/office/drawing/2014/main" val="2515016788"/>
-                    </a:ext>
-                  </a:extLst>
-                </a:gridCol>
-                <a:gridCol w="2148681">
-                  <a:extLst>
-                    <a:ext uri="{9D8B030D-6E8A-4147-A177-3AD203B41FA5}">
-                      <a16:colId xmlns:a16="http://schemas.microsoft.com/office/drawing/2014/main" val="889444720"/>
-                    </a:ext>
-                  </a:extLst>
-                </a:gridCol>
-                <a:gridCol w="2148681">
-                  <a:extLst>
-                    <a:ext uri="{9D8B030D-6E8A-4147-A177-3AD203B41FA5}">
-                      <a16:colId xmlns:a16="http://schemas.microsoft.com/office/drawing/2014/main" val="44818972"/>
-                    </a:ext>
-                  </a:extLst>
-                </a:gridCol>
-              </a:tblGrid>
-              <a:tr h="370840">
-                <a:tc>
-                  <a:txBody>
-                    <a:bodyPr/>
-                    <a:lstStyle/>
-                    <a:p>
-                      <a:r>
-                        <a:rPr lang="de-DE" dirty="0"/>
-                        <a:t>Task</a:t>
-                      </a:r>
-                      <a:endParaRPr lang="de-AT" dirty="0"/>
-                    </a:p>
-                  </a:txBody>
-                  <a:tcPr/>
-                </a:tc>
-                <a:tc>
-                  <a:txBody>
-                    <a:bodyPr/>
-                    <a:lstStyle/>
-                    <a:p>
-                      <a:r>
-                        <a:rPr lang="de-DE" dirty="0" err="1"/>
-                        <a:t>Hyper</a:t>
-                      </a:r>
-                      <a:endParaRPr lang="de-AT" dirty="0"/>
-                    </a:p>
-                  </a:txBody>
-                  <a:tcPr/>
-                </a:tc>
-                <a:tc>
-                  <a:txBody>
-                    <a:bodyPr/>
-                    <a:lstStyle/>
-                    <a:p>
-                      <a:r>
-                        <a:rPr lang="de-DE" dirty="0" err="1"/>
-                        <a:t>Metagol</a:t>
-                      </a:r>
-                      <a:endParaRPr lang="de-AT" dirty="0"/>
-                    </a:p>
-                  </a:txBody>
-                  <a:tcPr/>
-                </a:tc>
-                <a:tc>
-                  <a:txBody>
-                    <a:bodyPr/>
-                    <a:lstStyle/>
-                    <a:p>
-                      <a:r>
-                        <a:rPr lang="de-DE" dirty="0"/>
-                        <a:t>ILASP</a:t>
-                      </a:r>
-                      <a:endParaRPr lang="de-AT" dirty="0"/>
-                    </a:p>
-                  </a:txBody>
-                  <a:tcPr/>
-                </a:tc>
-                <a:extLst>
-                  <a:ext uri="{0D108BD9-81ED-4DB2-BD59-A6C34878D82A}">
-                    <a16:rowId xmlns:a16="http://schemas.microsoft.com/office/drawing/2014/main" val="1430978810"/>
-                  </a:ext>
-                </a:extLst>
-              </a:tr>
-              <a:tr h="370840">
-                <a:tc>
-                  <a:txBody>
-                    <a:bodyPr/>
-                    <a:lstStyle/>
-                    <a:p>
-                      <a:r>
-                        <a:rPr lang="de-DE" dirty="0" err="1"/>
-                        <a:t>adjacent</a:t>
-                      </a:r>
-                      <a:endParaRPr lang="de-AT" dirty="0"/>
-                    </a:p>
-                  </a:txBody>
-                  <a:tcPr/>
-                </a:tc>
-                <a:tc>
-                  <a:txBody>
-                    <a:bodyPr/>
-                    <a:lstStyle/>
-                    <a:p>
-                      <a:pPr algn="ctr"/>
-                      <a:r>
-                        <a:rPr lang="de-DE" dirty="0"/>
-                        <a:t>175,884 s</a:t>
-                      </a:r>
-                      <a:endParaRPr lang="de-AT" dirty="0"/>
-                    </a:p>
-                  </a:txBody>
-                  <a:tcPr/>
-                </a:tc>
-                <a:tc>
-                  <a:txBody>
-                    <a:bodyPr/>
-                    <a:lstStyle/>
-                    <a:p>
-                      <a:pPr algn="ctr"/>
-                      <a:r>
-                        <a:rPr lang="de-AT" dirty="0"/>
-                        <a:t>0.121 s</a:t>
-                      </a:r>
-                    </a:p>
-                  </a:txBody>
-                  <a:tcPr/>
-                </a:tc>
-                <a:tc>
-                  <a:txBody>
-                    <a:bodyPr/>
-                    <a:lstStyle/>
-                    <a:p>
-                      <a:pPr algn="ctr"/>
-                      <a:endParaRPr lang="de-AT"/>
-                    </a:p>
-                  </a:txBody>
-                  <a:tcPr/>
-                </a:tc>
-                <a:extLst>
-                  <a:ext uri="{0D108BD9-81ED-4DB2-BD59-A6C34878D82A}">
-                    <a16:rowId xmlns:a16="http://schemas.microsoft.com/office/drawing/2014/main" val="1515363736"/>
-                  </a:ext>
-                </a:extLst>
-              </a:tr>
-              <a:tr h="370840">
-                <a:tc>
-                  <a:txBody>
-                    <a:bodyPr/>
-                    <a:lstStyle/>
-                    <a:p>
-                      <a:r>
-                        <a:rPr lang="de-DE" dirty="0" err="1"/>
-                        <a:t>move</a:t>
-                      </a:r>
-                      <a:endParaRPr lang="de-AT" dirty="0"/>
-                    </a:p>
-                  </a:txBody>
-                  <a:tcPr/>
-                </a:tc>
-                <a:tc>
-                  <a:txBody>
-                    <a:bodyPr/>
-                    <a:lstStyle/>
-                    <a:p>
-                      <a:pPr algn="ctr"/>
-                      <a:r>
-                        <a:rPr lang="de-DE" dirty="0"/>
-                        <a:t>    0,063 s</a:t>
-                      </a:r>
-                      <a:endParaRPr lang="de-AT" dirty="0"/>
-                    </a:p>
-                  </a:txBody>
-                  <a:tcPr/>
-                </a:tc>
-                <a:tc>
-                  <a:txBody>
-                    <a:bodyPr/>
-                    <a:lstStyle/>
-                    <a:p>
-                      <a:pPr algn="ctr"/>
-                      <a:r>
-                        <a:rPr lang="de-AT" dirty="0"/>
-                        <a:t>0.047 s</a:t>
-                      </a:r>
-                    </a:p>
-                  </a:txBody>
-                  <a:tcPr/>
-                </a:tc>
-                <a:tc>
-                  <a:txBody>
-                    <a:bodyPr/>
-                    <a:lstStyle/>
-                    <a:p>
-                      <a:pPr algn="ctr"/>
-                      <a:endParaRPr lang="de-AT"/>
-                    </a:p>
-                  </a:txBody>
-                  <a:tcPr/>
-                </a:tc>
-                <a:extLst>
-                  <a:ext uri="{0D108BD9-81ED-4DB2-BD59-A6C34878D82A}">
-                    <a16:rowId xmlns:a16="http://schemas.microsoft.com/office/drawing/2014/main" val="1835639504"/>
-                  </a:ext>
-                </a:extLst>
-              </a:tr>
-              <a:tr h="370840">
-                <a:tc>
-                  <a:txBody>
-                    <a:bodyPr/>
-                    <a:lstStyle/>
-                    <a:p>
-                      <a:r>
-                        <a:rPr lang="de-DE" dirty="0" err="1"/>
-                        <a:t>reach</a:t>
-                      </a:r>
-                      <a:endParaRPr lang="de-AT" dirty="0"/>
-                    </a:p>
-                  </a:txBody>
-                  <a:tcPr/>
-                </a:tc>
-                <a:tc>
-                  <a:txBody>
-                    <a:bodyPr/>
-                    <a:lstStyle/>
-                    <a:p>
-                      <a:pPr algn="ctr"/>
-                      <a:r>
-                        <a:rPr lang="de-DE" dirty="0"/>
-                        <a:t>    1,577 s</a:t>
-                      </a:r>
-                      <a:endParaRPr lang="de-AT" dirty="0"/>
-                    </a:p>
-                  </a:txBody>
-                  <a:tcPr/>
-                </a:tc>
-                <a:tc>
-                  <a:txBody>
-                    <a:bodyPr/>
-                    <a:lstStyle/>
-                    <a:p>
-                      <a:pPr algn="ctr"/>
-                      <a:r>
-                        <a:rPr lang="de-AT" dirty="0"/>
-                        <a:t>0.027 s</a:t>
-                      </a:r>
-                    </a:p>
-                  </a:txBody>
-                  <a:tcPr/>
-                </a:tc>
-                <a:tc>
-                  <a:txBody>
-                    <a:bodyPr/>
-                    <a:lstStyle/>
-                    <a:p>
-                      <a:pPr algn="ctr"/>
-                      <a:endParaRPr lang="de-AT" dirty="0"/>
-                    </a:p>
-                  </a:txBody>
-                  <a:tcPr/>
-                </a:tc>
-                <a:extLst>
-                  <a:ext uri="{0D108BD9-81ED-4DB2-BD59-A6C34878D82A}">
-                    <a16:rowId xmlns:a16="http://schemas.microsoft.com/office/drawing/2014/main" val="2829995181"/>
-                  </a:ext>
-                </a:extLst>
-              </a:tr>
-              <a:tr h="370840">
-                <a:tc>
-                  <a:txBody>
-                    <a:bodyPr/>
-                    <a:lstStyle/>
-                    <a:p>
-                      <a:r>
-                        <a:rPr lang="de-DE" dirty="0" err="1"/>
-                        <a:t>move</a:t>
-                      </a:r>
-                      <a:r>
-                        <a:rPr lang="de-DE" dirty="0"/>
-                        <a:t> &amp; </a:t>
-                      </a:r>
-                      <a:r>
-                        <a:rPr lang="de-DE" dirty="0" err="1"/>
-                        <a:t>reach</a:t>
-                      </a:r>
-                      <a:endParaRPr lang="de-AT" dirty="0"/>
-                    </a:p>
-                  </a:txBody>
-                  <a:tcPr/>
-                </a:tc>
-                <a:tc>
-                  <a:txBody>
-                    <a:bodyPr/>
-                    <a:lstStyle/>
-                    <a:p>
-                      <a:pPr algn="ctr"/>
-                      <a:r>
-                        <a:rPr lang="de-DE" dirty="0"/>
-                        <a:t>  16,585 s</a:t>
-                      </a:r>
-                      <a:endParaRPr lang="de-AT" dirty="0"/>
-                    </a:p>
-                  </a:txBody>
-                  <a:tcPr/>
-                </a:tc>
-                <a:tc>
-                  <a:txBody>
-                    <a:bodyPr/>
-                    <a:lstStyle/>
-                    <a:p>
-                      <a:pPr algn="ctr"/>
-                      <a:r>
-                        <a:rPr lang="de-AT" dirty="0"/>
-                        <a:t>0.703 s</a:t>
-                      </a:r>
-                    </a:p>
-                  </a:txBody>
-                  <a:tcPr/>
-                </a:tc>
-                <a:tc>
-                  <a:txBody>
-                    <a:bodyPr/>
-                    <a:lstStyle/>
-                    <a:p>
-                      <a:pPr algn="ctr"/>
-                      <a:endParaRPr lang="de-AT" dirty="0"/>
-                    </a:p>
-                  </a:txBody>
-                  <a:tcPr/>
-                </a:tc>
-                <a:extLst>
-                  <a:ext uri="{0D108BD9-81ED-4DB2-BD59-A6C34878D82A}">
-                    <a16:rowId xmlns:a16="http://schemas.microsoft.com/office/drawing/2014/main" val="3778703835"/>
-                  </a:ext>
-                </a:extLst>
-              </a:tr>
-            </a:tbl>
-          </a:graphicData>
-        </a:graphic>
-      </p:graphicFrame>
-      <p:sp>
-        <p:nvSpPr>
-          <p:cNvPr id="5" name="Textfeld 4">
-            <a:extLst>
-              <a:ext uri="{FF2B5EF4-FFF2-40B4-BE49-F238E27FC236}">
-                <a16:creationId xmlns:a16="http://schemas.microsoft.com/office/drawing/2014/main" id="{96290799-DCD4-42AF-9491-3C6BEBCE70D4}"/>
-              </a:ext>
-            </a:extLst>
-          </p:cNvPr>
-          <p:cNvSpPr txBox="1"/>
-          <p:nvPr/>
-        </p:nvSpPr>
-        <p:spPr>
-          <a:xfrm>
-            <a:off x="1261872" y="3799643"/>
-            <a:ext cx="7207425" cy="369332"/>
-          </a:xfrm>
-          <a:prstGeom prst="rect">
-            <a:avLst/>
-          </a:prstGeom>
-          <a:noFill/>
-        </p:spPr>
-        <p:txBody>
-          <a:bodyPr wrap="square" rtlCol="0">
-            <a:spAutoFit/>
-          </a:bodyPr>
-          <a:lstStyle/>
-          <a:p>
-            <a:r>
-              <a:rPr lang="de-DE" dirty="0"/>
-              <a:t>Mean </a:t>
-            </a:r>
-            <a:r>
-              <a:rPr lang="de-DE" dirty="0" err="1"/>
-              <a:t>values</a:t>
-            </a:r>
-            <a:r>
-              <a:rPr lang="de-DE" dirty="0"/>
-              <a:t> </a:t>
-            </a:r>
-            <a:r>
-              <a:rPr lang="de-DE" dirty="0" err="1"/>
-              <a:t>from</a:t>
-            </a:r>
-            <a:r>
-              <a:rPr lang="de-DE" dirty="0"/>
-              <a:t> 10 </a:t>
-            </a:r>
-            <a:r>
-              <a:rPr lang="de-DE" dirty="0" err="1"/>
-              <a:t>runs</a:t>
-            </a:r>
-            <a:endParaRPr lang="de-AT" dirty="0"/>
-          </a:p>
-        </p:txBody>
-      </p:sp>
-    </p:spTree>
-    <p:extLst>
-      <p:ext uri="{BB962C8B-B14F-4D97-AF65-F5344CB8AC3E}">
-        <p14:creationId xmlns:p14="http://schemas.microsoft.com/office/powerpoint/2010/main" val="3869130354"/>
       </p:ext>
     </p:extLst>
   </p:cSld>
